--- a/U4_Manejo_de_Apuntadores_y_Estructuras/U4_Manejo_de_Apuntadores_y _Estructuras__4_1_Apuntadores_y_variables.pptx
+++ b/U4_Manejo_de_Apuntadores_y_Estructuras/U4_Manejo_de_Apuntadores_y _Estructuras__4_1_Apuntadores_y_variables.pptx
@@ -10609,7 +10609,7 @@
       </p:grpSpPr>
       <p:sp>
         <p:nvSpPr>
-          <p:cNvPr id="277" name="PlaceHolder 1"/>
+          <p:cNvPr id="276" name="PlaceHolder 1"/>
           <p:cNvSpPr>
             <a:spLocks noGrp="1"/>
           </p:cNvSpPr>
@@ -10640,7 +10640,7 @@
       </p:sp>
       <p:sp>
         <p:nvSpPr>
-          <p:cNvPr id="278" name="PlaceHolder 2"/>
+          <p:cNvPr id="277" name="PlaceHolder 2"/>
           <p:cNvSpPr>
             <a:spLocks noGrp="1"/>
           </p:cNvSpPr>
@@ -10693,7 +10693,7 @@
       </p:grpSpPr>
       <p:sp>
         <p:nvSpPr>
-          <p:cNvPr id="279" name="PlaceHolder 1"/>
+          <p:cNvPr id="278" name="PlaceHolder 1"/>
           <p:cNvSpPr>
             <a:spLocks noGrp="1"/>
           </p:cNvSpPr>
@@ -10724,7 +10724,7 @@
       </p:sp>
       <p:sp>
         <p:nvSpPr>
-          <p:cNvPr id="280" name="PlaceHolder 2"/>
+          <p:cNvPr id="279" name="PlaceHolder 2"/>
           <p:cNvSpPr>
             <a:spLocks noGrp="1"/>
           </p:cNvSpPr>
@@ -10776,7 +10776,7 @@
       </p:grpSpPr>
       <p:sp>
         <p:nvSpPr>
-          <p:cNvPr id="281" name="PlaceHolder 1"/>
+          <p:cNvPr id="280" name="PlaceHolder 1"/>
           <p:cNvSpPr>
             <a:spLocks noGrp="1"/>
           </p:cNvSpPr>
@@ -10807,7 +10807,7 @@
       </p:sp>
       <p:sp>
         <p:nvSpPr>
-          <p:cNvPr id="282" name="PlaceHolder 2"/>
+          <p:cNvPr id="281" name="PlaceHolder 2"/>
           <p:cNvSpPr>
             <a:spLocks noGrp="1"/>
           </p:cNvSpPr>
@@ -10837,7 +10837,7 @@
       </p:sp>
       <p:sp>
         <p:nvSpPr>
-          <p:cNvPr id="283" name="PlaceHolder 3"/>
+          <p:cNvPr id="282" name="PlaceHolder 3"/>
           <p:cNvSpPr>
             <a:spLocks noGrp="1"/>
           </p:cNvSpPr>
@@ -10889,7 +10889,7 @@
       </p:grpSpPr>
       <p:sp>
         <p:nvSpPr>
-          <p:cNvPr id="284" name="PlaceHolder 1"/>
+          <p:cNvPr id="283" name="PlaceHolder 1"/>
           <p:cNvSpPr>
             <a:spLocks noGrp="1"/>
           </p:cNvSpPr>
@@ -11085,7 +11085,7 @@
       </p:grpSpPr>
       <p:sp>
         <p:nvSpPr>
-          <p:cNvPr id="285" name="PlaceHolder 1"/>
+          <p:cNvPr id="284" name="PlaceHolder 1"/>
           <p:cNvSpPr>
             <a:spLocks noGrp="1"/>
           </p:cNvSpPr>
@@ -11138,7 +11138,7 @@
       </p:grpSpPr>
       <p:sp>
         <p:nvSpPr>
-          <p:cNvPr id="286" name="PlaceHolder 1"/>
+          <p:cNvPr id="285" name="PlaceHolder 1"/>
           <p:cNvSpPr>
             <a:spLocks noGrp="1"/>
           </p:cNvSpPr>
@@ -11169,7 +11169,7 @@
       </p:sp>
       <p:sp>
         <p:nvSpPr>
-          <p:cNvPr id="287" name="PlaceHolder 2"/>
+          <p:cNvPr id="286" name="PlaceHolder 2"/>
           <p:cNvSpPr>
             <a:spLocks noGrp="1"/>
           </p:cNvSpPr>
@@ -11199,7 +11199,7 @@
       </p:sp>
       <p:sp>
         <p:nvSpPr>
-          <p:cNvPr id="288" name="PlaceHolder 3"/>
+          <p:cNvPr id="287" name="PlaceHolder 3"/>
           <p:cNvSpPr>
             <a:spLocks noGrp="1"/>
           </p:cNvSpPr>
@@ -11229,7 +11229,7 @@
       </p:sp>
       <p:sp>
         <p:nvSpPr>
-          <p:cNvPr id="289" name="PlaceHolder 4"/>
+          <p:cNvPr id="288" name="PlaceHolder 4"/>
           <p:cNvSpPr>
             <a:spLocks noGrp="1"/>
           </p:cNvSpPr>
@@ -11281,7 +11281,7 @@
       </p:grpSpPr>
       <p:sp>
         <p:nvSpPr>
-          <p:cNvPr id="290" name="PlaceHolder 1"/>
+          <p:cNvPr id="289" name="PlaceHolder 1"/>
           <p:cNvSpPr>
             <a:spLocks noGrp="1"/>
           </p:cNvSpPr>
@@ -11312,7 +11312,7 @@
       </p:sp>
       <p:sp>
         <p:nvSpPr>
-          <p:cNvPr id="291" name="PlaceHolder 2"/>
+          <p:cNvPr id="290" name="PlaceHolder 2"/>
           <p:cNvSpPr>
             <a:spLocks noGrp="1"/>
           </p:cNvSpPr>
@@ -11342,7 +11342,7 @@
       </p:sp>
       <p:sp>
         <p:nvSpPr>
-          <p:cNvPr id="292" name="PlaceHolder 3"/>
+          <p:cNvPr id="291" name="PlaceHolder 3"/>
           <p:cNvSpPr>
             <a:spLocks noGrp="1"/>
           </p:cNvSpPr>
@@ -11372,7 +11372,7 @@
       </p:sp>
       <p:sp>
         <p:nvSpPr>
-          <p:cNvPr id="293" name="PlaceHolder 4"/>
+          <p:cNvPr id="292" name="PlaceHolder 4"/>
           <p:cNvSpPr>
             <a:spLocks noGrp="1"/>
           </p:cNvSpPr>
@@ -11424,7 +11424,7 @@
       </p:grpSpPr>
       <p:sp>
         <p:nvSpPr>
-          <p:cNvPr id="294" name="PlaceHolder 1"/>
+          <p:cNvPr id="293" name="PlaceHolder 1"/>
           <p:cNvSpPr>
             <a:spLocks noGrp="1"/>
           </p:cNvSpPr>
@@ -11455,7 +11455,7 @@
       </p:sp>
       <p:sp>
         <p:nvSpPr>
-          <p:cNvPr id="295" name="PlaceHolder 2"/>
+          <p:cNvPr id="294" name="PlaceHolder 2"/>
           <p:cNvSpPr>
             <a:spLocks noGrp="1"/>
           </p:cNvSpPr>
@@ -11485,7 +11485,7 @@
       </p:sp>
       <p:sp>
         <p:nvSpPr>
-          <p:cNvPr id="296" name="PlaceHolder 3"/>
+          <p:cNvPr id="295" name="PlaceHolder 3"/>
           <p:cNvSpPr>
             <a:spLocks noGrp="1"/>
           </p:cNvSpPr>
@@ -11515,7 +11515,7 @@
       </p:sp>
       <p:sp>
         <p:nvSpPr>
-          <p:cNvPr id="297" name="PlaceHolder 4"/>
+          <p:cNvPr id="296" name="PlaceHolder 4"/>
           <p:cNvSpPr>
             <a:spLocks noGrp="1"/>
           </p:cNvSpPr>
@@ -11567,7 +11567,7 @@
       </p:grpSpPr>
       <p:sp>
         <p:nvSpPr>
-          <p:cNvPr id="298" name="PlaceHolder 1"/>
+          <p:cNvPr id="297" name="PlaceHolder 1"/>
           <p:cNvSpPr>
             <a:spLocks noGrp="1"/>
           </p:cNvSpPr>
@@ -11598,7 +11598,7 @@
       </p:sp>
       <p:sp>
         <p:nvSpPr>
-          <p:cNvPr id="299" name="PlaceHolder 2"/>
+          <p:cNvPr id="298" name="PlaceHolder 2"/>
           <p:cNvSpPr>
             <a:spLocks noGrp="1"/>
           </p:cNvSpPr>
@@ -11628,7 +11628,7 @@
       </p:sp>
       <p:sp>
         <p:nvSpPr>
-          <p:cNvPr id="300" name="PlaceHolder 3"/>
+          <p:cNvPr id="299" name="PlaceHolder 3"/>
           <p:cNvSpPr>
             <a:spLocks noGrp="1"/>
           </p:cNvSpPr>
@@ -11680,7 +11680,7 @@
       </p:grpSpPr>
       <p:sp>
         <p:nvSpPr>
-          <p:cNvPr id="301" name="PlaceHolder 1"/>
+          <p:cNvPr id="300" name="PlaceHolder 1"/>
           <p:cNvSpPr>
             <a:spLocks noGrp="1"/>
           </p:cNvSpPr>
@@ -11711,7 +11711,7 @@
       </p:sp>
       <p:sp>
         <p:nvSpPr>
-          <p:cNvPr id="302" name="PlaceHolder 2"/>
+          <p:cNvPr id="301" name="PlaceHolder 2"/>
           <p:cNvSpPr>
             <a:spLocks noGrp="1"/>
           </p:cNvSpPr>
@@ -11741,7 +11741,7 @@
       </p:sp>
       <p:sp>
         <p:nvSpPr>
-          <p:cNvPr id="303" name="PlaceHolder 3"/>
+          <p:cNvPr id="302" name="PlaceHolder 3"/>
           <p:cNvSpPr>
             <a:spLocks noGrp="1"/>
           </p:cNvSpPr>
@@ -11771,7 +11771,7 @@
       </p:sp>
       <p:sp>
         <p:nvSpPr>
-          <p:cNvPr id="304" name="PlaceHolder 4"/>
+          <p:cNvPr id="303" name="PlaceHolder 4"/>
           <p:cNvSpPr>
             <a:spLocks noGrp="1"/>
           </p:cNvSpPr>
@@ -11801,7 +11801,7 @@
       </p:sp>
       <p:sp>
         <p:nvSpPr>
-          <p:cNvPr id="305" name="PlaceHolder 5"/>
+          <p:cNvPr id="304" name="PlaceHolder 5"/>
           <p:cNvSpPr>
             <a:spLocks noGrp="1"/>
           </p:cNvSpPr>
@@ -11853,7 +11853,7 @@
       </p:grpSpPr>
       <p:sp>
         <p:nvSpPr>
-          <p:cNvPr id="306" name="PlaceHolder 1"/>
+          <p:cNvPr id="305" name="PlaceHolder 1"/>
           <p:cNvSpPr>
             <a:spLocks noGrp="1"/>
           </p:cNvSpPr>
@@ -11884,7 +11884,7 @@
       </p:sp>
       <p:sp>
         <p:nvSpPr>
-          <p:cNvPr id="307" name="PlaceHolder 2"/>
+          <p:cNvPr id="306" name="PlaceHolder 2"/>
           <p:cNvSpPr>
             <a:spLocks noGrp="1"/>
           </p:cNvSpPr>
@@ -11914,7 +11914,7 @@
       </p:sp>
       <p:sp>
         <p:nvSpPr>
-          <p:cNvPr id="308" name="PlaceHolder 3"/>
+          <p:cNvPr id="307" name="PlaceHolder 3"/>
           <p:cNvSpPr>
             <a:spLocks noGrp="1"/>
           </p:cNvSpPr>
@@ -11944,7 +11944,7 @@
       </p:sp>
       <p:sp>
         <p:nvSpPr>
-          <p:cNvPr id="309" name="PlaceHolder 4"/>
+          <p:cNvPr id="308" name="PlaceHolder 4"/>
           <p:cNvSpPr>
             <a:spLocks noGrp="1"/>
           </p:cNvSpPr>
@@ -11974,7 +11974,7 @@
       </p:sp>
       <p:sp>
         <p:nvSpPr>
-          <p:cNvPr id="310" name="PlaceHolder 5"/>
+          <p:cNvPr id="309" name="PlaceHolder 5"/>
           <p:cNvSpPr>
             <a:spLocks noGrp="1"/>
           </p:cNvSpPr>
@@ -12004,7 +12004,7 @@
       </p:sp>
       <p:sp>
         <p:nvSpPr>
-          <p:cNvPr id="311" name="PlaceHolder 6"/>
+          <p:cNvPr id="310" name="PlaceHolder 6"/>
           <p:cNvSpPr>
             <a:spLocks noGrp="1"/>
           </p:cNvSpPr>
@@ -12034,7 +12034,7 @@
       </p:sp>
       <p:sp>
         <p:nvSpPr>
-          <p:cNvPr id="312" name="PlaceHolder 7"/>
+          <p:cNvPr id="311" name="PlaceHolder 7"/>
           <p:cNvSpPr>
             <a:spLocks noGrp="1"/>
           </p:cNvSpPr>
@@ -12282,7 +12282,7 @@
         <p:spPr>
           <a:xfrm>
             <a:off x="0" y="3780000"/>
-            <a:ext cx="10077480" cy="1887480"/>
+            <a:ext cx="10076760" cy="1886760"/>
           </a:xfrm>
           <a:prstGeom prst="rect">
             <a:avLst/>
@@ -12340,13 +12340,7 @@
               <a:rPr b="0" lang="es-MX" sz="4400" spc="-1" strike="noStrike">
                 <a:latin typeface="Arial"/>
               </a:rPr>
-              <a:t>Pulse para editar el formato del texto </a:t>
-            </a:r>
-            <a:r>
-              <a:rPr b="0" lang="es-MX" sz="4400" spc="-1" strike="noStrike">
-                <a:latin typeface="Arial"/>
-              </a:rPr>
-              <a:t>de título</a:t>
+              <a:t>Pulse para editar el formato del texto de título</a:t>
             </a:r>
             <a:endParaRPr b="0" lang="es-MX" sz="4400" spc="-1" strike="noStrike">
               <a:latin typeface="Arial"/>
@@ -12586,8 +12580,8 @@
         </p:nvSpPr>
         <p:spPr>
           <a:xfrm flipV="1">
-            <a:off x="0" y="-2880"/>
-            <a:ext cx="10077480" cy="1077480"/>
+            <a:off x="0" y="-3600"/>
+            <a:ext cx="10076760" cy="1076760"/>
           </a:xfrm>
           <a:prstGeom prst="rect">
             <a:avLst/>
@@ -12645,13 +12639,7 @@
               <a:rPr b="0" lang="es-MX" sz="4400" spc="-1" strike="noStrike">
                 <a:latin typeface="Arial"/>
               </a:rPr>
-              <a:t>Pulse para editar el formato del </a:t>
-            </a:r>
-            <a:r>
-              <a:rPr b="0" lang="es-MX" sz="4400" spc="-1" strike="noStrike">
-                <a:latin typeface="Arial"/>
-              </a:rPr>
-              <a:t>texto de título</a:t>
+              <a:t>Pulse para editar el formato del texto de título</a:t>
             </a:r>
             <a:endParaRPr b="0" lang="es-MX" sz="4400" spc="-1" strike="noStrike">
               <a:latin typeface="Arial"/>
@@ -12891,8 +12879,8 @@
         </p:nvSpPr>
         <p:spPr>
           <a:xfrm flipV="1">
-            <a:off x="0" y="-2880"/>
-            <a:ext cx="10077480" cy="1077480"/>
+            <a:off x="0" y="-3600"/>
+            <a:ext cx="10076760" cy="1076760"/>
           </a:xfrm>
           <a:prstGeom prst="rect">
             <a:avLst/>
@@ -13190,8 +13178,8 @@
         </p:nvSpPr>
         <p:spPr>
           <a:xfrm flipV="1">
-            <a:off x="0" y="-2880"/>
-            <a:ext cx="10077480" cy="1077480"/>
+            <a:off x="0" y="-3600"/>
+            <a:ext cx="10076760" cy="1076760"/>
           </a:xfrm>
           <a:prstGeom prst="rect">
             <a:avLst/>
@@ -13489,8 +13477,8 @@
         </p:nvSpPr>
         <p:spPr>
           <a:xfrm flipV="1">
-            <a:off x="0" y="-2880"/>
-            <a:ext cx="10077480" cy="1077480"/>
+            <a:off x="0" y="-3600"/>
+            <a:ext cx="10076760" cy="1076760"/>
           </a:xfrm>
           <a:prstGeom prst="rect">
             <a:avLst/>
@@ -13788,8 +13776,8 @@
         </p:nvSpPr>
         <p:spPr>
           <a:xfrm flipV="1">
-            <a:off x="0" y="-2880"/>
-            <a:ext cx="10077480" cy="1077480"/>
+            <a:off x="0" y="-3600"/>
+            <a:ext cx="10076760" cy="1076760"/>
           </a:xfrm>
           <a:prstGeom prst="rect">
             <a:avLst/>
@@ -14087,8 +14075,8 @@
         </p:nvSpPr>
         <p:spPr>
           <a:xfrm flipV="1">
-            <a:off x="0" y="-2880"/>
-            <a:ext cx="10077480" cy="1077480"/>
+            <a:off x="0" y="-3600"/>
+            <a:ext cx="10076760" cy="1076760"/>
           </a:xfrm>
           <a:prstGeom prst="rect">
             <a:avLst/>
@@ -14354,335 +14342,6 @@
 </file>
 
 <file path=ppt/slideMasters/slideMaster8.xml><?xml version="1.0" encoding="utf-8"?>
-<p:sldMaster xmlns:a="http://schemas.openxmlformats.org/drawingml/2006/main" xmlns:p="http://schemas.openxmlformats.org/presentationml/2006/main" xmlns:r="http://schemas.openxmlformats.org/officeDocument/2006/relationships" xmlns:p14="http://schemas.microsoft.com/office/powerpoint/2010/main" xmlns:p15="http://schemas.microsoft.com/office/powerpoint/2012/main" xmlns:mc="http://schemas.openxmlformats.org/markup-compatibility/2006">
-  <p:cSld>
-    <p:spTree>
-      <p:nvGrpSpPr>
-        <p:cNvPr id="1" name=""/>
-        <p:cNvGrpSpPr/>
-        <p:nvPr/>
-      </p:nvGrpSpPr>
-      <p:grpSpPr>
-        <a:xfrm>
-          <a:off x="0" y="0"/>
-          <a:ext cx="0" cy="0"/>
-          <a:chOff x="0" y="0"/>
-          <a:chExt cx="0" cy="0"/>
-        </a:xfrm>
-      </p:grpSpPr>
-      <p:sp>
-        <p:nvSpPr>
-          <p:cNvPr id="273" name="CustomShape 1"/>
-          <p:cNvSpPr/>
-          <p:nvPr/>
-        </p:nvSpPr>
-        <p:spPr>
-          <a:xfrm flipV="1">
-            <a:off x="0" y="-2880"/>
-            <a:ext cx="10077480" cy="177480"/>
-          </a:xfrm>
-          <a:prstGeom prst="rect">
-            <a:avLst/>
-          </a:prstGeom>
-          <a:pattFill prst="lgGrid">
-            <a:fgClr>
-              <a:srgbClr val="3465a4"/>
-            </a:fgClr>
-            <a:bgClr>
-              <a:srgbClr val="009eda"/>
-            </a:bgClr>
-          </a:pattFill>
-          <a:ln w="18000">
-            <a:noFill/>
-          </a:ln>
-          <a:effectLst>
-            <a:outerShdw dir="5400000" dist="10800">
-              <a:srgbClr val="f49100"/>
-            </a:outerShdw>
-          </a:effectLst>
-        </p:spPr>
-        <p:style>
-          <a:lnRef idx="0"/>
-          <a:fillRef idx="0"/>
-          <a:effectRef idx="0"/>
-          <a:fontRef idx="minor"/>
-        </p:style>
-      </p:sp>
-      <p:sp>
-        <p:nvSpPr>
-          <p:cNvPr id="274" name="CustomShape 2"/>
-          <p:cNvSpPr/>
-          <p:nvPr/>
-        </p:nvSpPr>
-        <p:spPr>
-          <a:xfrm>
-            <a:off x="0" y="5580000"/>
-            <a:ext cx="10077480" cy="87480"/>
-          </a:xfrm>
-          <a:prstGeom prst="rect">
-            <a:avLst/>
-          </a:prstGeom>
-          <a:pattFill prst="lgGrid">
-            <a:fgClr>
-              <a:srgbClr val="3465a4"/>
-            </a:fgClr>
-            <a:bgClr>
-              <a:srgbClr val="009eda"/>
-            </a:bgClr>
-          </a:pattFill>
-          <a:ln w="18000">
-            <a:noFill/>
-          </a:ln>
-          <a:effectLst>
-            <a:outerShdw dir="16200000" dist="10800">
-              <a:srgbClr val="f49100"/>
-            </a:outerShdw>
-          </a:effectLst>
-        </p:spPr>
-        <p:style>
-          <a:lnRef idx="0"/>
-          <a:fillRef idx="0"/>
-          <a:effectRef idx="0"/>
-          <a:fontRef idx="minor"/>
-        </p:style>
-      </p:sp>
-      <p:sp>
-        <p:nvSpPr>
-          <p:cNvPr id="275" name="PlaceHolder 3"/>
-          <p:cNvSpPr>
-            <a:spLocks noGrp="1"/>
-          </p:cNvSpPr>
-          <p:nvPr>
-            <p:ph type="title"/>
-          </p:nvPr>
-        </p:nvSpPr>
-        <p:spPr>
-          <a:xfrm>
-            <a:off x="504000" y="226080"/>
-            <a:ext cx="9072000" cy="946440"/>
-          </a:xfrm>
-          <a:prstGeom prst="rect">
-            <a:avLst/>
-          </a:prstGeom>
-        </p:spPr>
-        <p:txBody>
-          <a:bodyPr lIns="0" rIns="0" tIns="0" bIns="0" anchor="ctr">
-            <a:noAutofit/>
-          </a:bodyPr>
-          <a:p>
-            <a:pPr algn="ctr"/>
-            <a:r>
-              <a:rPr b="0" lang="es-MX" sz="4400" spc="-1" strike="noStrike">
-                <a:latin typeface="Arial"/>
-              </a:rPr>
-              <a:t>Pulse para editar el formato del texto de título</a:t>
-            </a:r>
-            <a:endParaRPr b="0" lang="es-MX" sz="4400" spc="-1" strike="noStrike">
-              <a:latin typeface="Arial"/>
-            </a:endParaRPr>
-          </a:p>
-        </p:txBody>
-      </p:sp>
-      <p:sp>
-        <p:nvSpPr>
-          <p:cNvPr id="276" name="PlaceHolder 4"/>
-          <p:cNvSpPr>
-            <a:spLocks noGrp="1"/>
-          </p:cNvSpPr>
-          <p:nvPr>
-            <p:ph type="body"/>
-          </p:nvPr>
-        </p:nvSpPr>
-        <p:spPr>
-          <a:xfrm>
-            <a:off x="504000" y="1326600"/>
-            <a:ext cx="9072000" cy="3288600"/>
-          </a:xfrm>
-          <a:prstGeom prst="rect">
-            <a:avLst/>
-          </a:prstGeom>
-        </p:spPr>
-        <p:txBody>
-          <a:bodyPr lIns="0" rIns="0" tIns="0" bIns="0">
-            <a:normAutofit/>
-          </a:bodyPr>
-          <a:p>
-            <a:pPr marL="432000" indent="-324000">
-              <a:spcBef>
-                <a:spcPts val="1417"/>
-              </a:spcBef>
-              <a:buClr>
-                <a:srgbClr val="000000"/>
-              </a:buClr>
-              <a:buSzPct val="45000"/>
-              <a:buFont typeface="Wingdings" charset="2"/>
-              <a:buChar char=""/>
-            </a:pPr>
-            <a:r>
-              <a:rPr b="0" lang="es-MX" sz="3200" spc="-1" strike="noStrike">
-                <a:latin typeface="Arial"/>
-              </a:rPr>
-              <a:t>Pulse para editar el formato de texto del esquema</a:t>
-            </a:r>
-            <a:endParaRPr b="0" lang="es-MX" sz="3200" spc="-1" strike="noStrike">
-              <a:latin typeface="Arial"/>
-            </a:endParaRPr>
-          </a:p>
-          <a:p>
-            <a:pPr lvl="1" marL="864000" indent="-324000">
-              <a:spcBef>
-                <a:spcPts val="1134"/>
-              </a:spcBef>
-              <a:buClr>
-                <a:srgbClr val="000000"/>
-              </a:buClr>
-              <a:buSzPct val="75000"/>
-              <a:buFont typeface="Symbol" charset="2"/>
-              <a:buChar char=""/>
-            </a:pPr>
-            <a:r>
-              <a:rPr b="0" lang="es-MX" sz="2800" spc="-1" strike="noStrike">
-                <a:latin typeface="Arial"/>
-              </a:rPr>
-              <a:t>Segundo nivel del esquema</a:t>
-            </a:r>
-            <a:endParaRPr b="0" lang="es-MX" sz="2800" spc="-1" strike="noStrike">
-              <a:latin typeface="Arial"/>
-            </a:endParaRPr>
-          </a:p>
-          <a:p>
-            <a:pPr lvl="2" marL="1296000" indent="-288000">
-              <a:spcBef>
-                <a:spcPts val="850"/>
-              </a:spcBef>
-              <a:buClr>
-                <a:srgbClr val="000000"/>
-              </a:buClr>
-              <a:buSzPct val="45000"/>
-              <a:buFont typeface="Wingdings" charset="2"/>
-              <a:buChar char=""/>
-            </a:pPr>
-            <a:r>
-              <a:rPr b="0" lang="es-MX" sz="2400" spc="-1" strike="noStrike">
-                <a:latin typeface="Arial"/>
-              </a:rPr>
-              <a:t>Tercer nivel del esquema</a:t>
-            </a:r>
-            <a:endParaRPr b="0" lang="es-MX" sz="2400" spc="-1" strike="noStrike">
-              <a:latin typeface="Arial"/>
-            </a:endParaRPr>
-          </a:p>
-          <a:p>
-            <a:pPr lvl="3" marL="1728000" indent="-216000">
-              <a:spcBef>
-                <a:spcPts val="567"/>
-              </a:spcBef>
-              <a:buClr>
-                <a:srgbClr val="000000"/>
-              </a:buClr>
-              <a:buSzPct val="75000"/>
-              <a:buFont typeface="Symbol" charset="2"/>
-              <a:buChar char=""/>
-            </a:pPr>
-            <a:r>
-              <a:rPr b="0" lang="es-MX" sz="2000" spc="-1" strike="noStrike">
-                <a:latin typeface="Arial"/>
-              </a:rPr>
-              <a:t>Cuarto nivel del esquema</a:t>
-            </a:r>
-            <a:endParaRPr b="0" lang="es-MX" sz="2000" spc="-1" strike="noStrike">
-              <a:latin typeface="Arial"/>
-            </a:endParaRPr>
-          </a:p>
-          <a:p>
-            <a:pPr lvl="4" marL="2160000" indent="-216000">
-              <a:spcBef>
-                <a:spcPts val="283"/>
-              </a:spcBef>
-              <a:buClr>
-                <a:srgbClr val="000000"/>
-              </a:buClr>
-              <a:buSzPct val="45000"/>
-              <a:buFont typeface="Wingdings" charset="2"/>
-              <a:buChar char=""/>
-            </a:pPr>
-            <a:r>
-              <a:rPr b="0" lang="es-MX" sz="2000" spc="-1" strike="noStrike">
-                <a:latin typeface="Arial"/>
-              </a:rPr>
-              <a:t>Quinto nivel del esquema</a:t>
-            </a:r>
-            <a:endParaRPr b="0" lang="es-MX" sz="2000" spc="-1" strike="noStrike">
-              <a:latin typeface="Arial"/>
-            </a:endParaRPr>
-          </a:p>
-          <a:p>
-            <a:pPr lvl="5" marL="2592000" indent="-216000">
-              <a:spcBef>
-                <a:spcPts val="283"/>
-              </a:spcBef>
-              <a:buClr>
-                <a:srgbClr val="000000"/>
-              </a:buClr>
-              <a:buSzPct val="45000"/>
-              <a:buFont typeface="Wingdings" charset="2"/>
-              <a:buChar char=""/>
-            </a:pPr>
-            <a:r>
-              <a:rPr b="0" lang="es-MX" sz="2000" spc="-1" strike="noStrike">
-                <a:latin typeface="Arial"/>
-              </a:rPr>
-              <a:t>Sexto nivel del esquema</a:t>
-            </a:r>
-            <a:endParaRPr b="0" lang="es-MX" sz="2000" spc="-1" strike="noStrike">
-              <a:latin typeface="Arial"/>
-            </a:endParaRPr>
-          </a:p>
-          <a:p>
-            <a:pPr lvl="6" marL="3024000" indent="-216000">
-              <a:spcBef>
-                <a:spcPts val="283"/>
-              </a:spcBef>
-              <a:buClr>
-                <a:srgbClr val="000000"/>
-              </a:buClr>
-              <a:buSzPct val="45000"/>
-              <a:buFont typeface="Wingdings" charset="2"/>
-              <a:buChar char=""/>
-            </a:pPr>
-            <a:r>
-              <a:rPr b="0" lang="es-MX" sz="2000" spc="-1" strike="noStrike">
-                <a:latin typeface="Arial"/>
-              </a:rPr>
-              <a:t>Séptimo nivel del esquema</a:t>
-            </a:r>
-            <a:endParaRPr b="0" lang="es-MX" sz="2000" spc="-1" strike="noStrike">
-              <a:latin typeface="Arial"/>
-            </a:endParaRPr>
-          </a:p>
-        </p:txBody>
-      </p:sp>
-    </p:spTree>
-  </p:cSld>
-  <p:clrMap bg1="lt1" bg2="lt2" tx1="dk1" tx2="dk2" accent1="accent1" accent2="accent2" accent3="accent3" accent4="accent4" accent5="accent5" accent6="accent6" hlink="hlink" folHlink="folHlink"/>
-  <p:sldLayoutIdLst>
-    <p:sldLayoutId id="2147483740" r:id="rId2"/>
-    <p:sldLayoutId id="2147483741" r:id="rId3"/>
-    <p:sldLayoutId id="2147483742" r:id="rId4"/>
-    <p:sldLayoutId id="2147483743" r:id="rId5"/>
-    <p:sldLayoutId id="2147483744" r:id="rId6"/>
-    <p:sldLayoutId id="2147483745" r:id="rId7"/>
-    <p:sldLayoutId id="2147483746" r:id="rId8"/>
-    <p:sldLayoutId id="2147483747" r:id="rId9"/>
-    <p:sldLayoutId id="2147483748" r:id="rId10"/>
-    <p:sldLayoutId id="2147483749" r:id="rId11"/>
-    <p:sldLayoutId id="2147483750" r:id="rId12"/>
-    <p:sldLayoutId id="2147483751" r:id="rId13"/>
-  </p:sldLayoutIdLst>
-</p:sldMaster>
-</file>
-
-<file path=ppt/slideMasters/slideMaster9.xml><?xml version="1.0" encoding="utf-8"?>
 <p:sldMaster xmlns:a="http://schemas.openxmlformats.org/drawingml/2006/main" xmlns:p="http://schemas.openxmlformats.org/presentationml/2006/main" xmlns:r="http://schemas.openxmlformats.org/officeDocument/2006/relationships" xmlns:p14="http://schemas.microsoft.com/office/powerpoint/2010/main" xmlns:p15="http://schemas.microsoft.com/office/powerpoint/2012/main" xmlns:mc="http://schemas.openxmlformats.org/markup-compatibility/2006">
   <p:cSld>
     <p:bg>
@@ -14709,14 +14368,14 @@
       </p:grpSpPr>
       <p:sp>
         <p:nvSpPr>
-          <p:cNvPr id="313" name="CustomShape 1"/>
+          <p:cNvPr id="273" name="CustomShape 1"/>
           <p:cNvSpPr/>
           <p:nvPr/>
         </p:nvSpPr>
         <p:spPr>
           <a:xfrm flipV="1">
-            <a:off x="0" y="-2880"/>
-            <a:ext cx="10077480" cy="1077480"/>
+            <a:off x="0" y="-3600"/>
+            <a:ext cx="10076760" cy="1076760"/>
           </a:xfrm>
           <a:prstGeom prst="rect">
             <a:avLst/>
@@ -14747,7 +14406,7 @@
       </p:sp>
       <p:sp>
         <p:nvSpPr>
-          <p:cNvPr id="314" name="PlaceHolder 2"/>
+          <p:cNvPr id="274" name="PlaceHolder 2"/>
           <p:cNvSpPr>
             <a:spLocks noGrp="1"/>
           </p:cNvSpPr>
@@ -14784,7 +14443,7 @@
       </p:sp>
       <p:sp>
         <p:nvSpPr>
-          <p:cNvPr id="315" name="PlaceHolder 3"/>
+          <p:cNvPr id="275" name="PlaceHolder 3"/>
           <p:cNvSpPr>
             <a:spLocks noGrp="1"/>
           </p:cNvSpPr>
@@ -14965,18 +14624,347 @@
   </p:cSld>
   <p:clrMap bg1="lt1" bg2="lt2" tx1="dk1" tx2="dk2" accent1="accent1" accent2="accent2" accent3="accent3" accent4="accent4" accent5="accent5" accent6="accent6" hlink="hlink" folHlink="folHlink"/>
   <p:sldLayoutIdLst>
-    <p:sldLayoutId id="2147483753" r:id="rId3"/>
-    <p:sldLayoutId id="2147483754" r:id="rId4"/>
-    <p:sldLayoutId id="2147483755" r:id="rId5"/>
-    <p:sldLayoutId id="2147483756" r:id="rId6"/>
-    <p:sldLayoutId id="2147483757" r:id="rId7"/>
-    <p:sldLayoutId id="2147483758" r:id="rId8"/>
-    <p:sldLayoutId id="2147483759" r:id="rId9"/>
-    <p:sldLayoutId id="2147483760" r:id="rId10"/>
-    <p:sldLayoutId id="2147483761" r:id="rId11"/>
-    <p:sldLayoutId id="2147483762" r:id="rId12"/>
-    <p:sldLayoutId id="2147483763" r:id="rId13"/>
-    <p:sldLayoutId id="2147483764" r:id="rId14"/>
+    <p:sldLayoutId id="2147483740" r:id="rId3"/>
+    <p:sldLayoutId id="2147483741" r:id="rId4"/>
+    <p:sldLayoutId id="2147483742" r:id="rId5"/>
+    <p:sldLayoutId id="2147483743" r:id="rId6"/>
+    <p:sldLayoutId id="2147483744" r:id="rId7"/>
+    <p:sldLayoutId id="2147483745" r:id="rId8"/>
+    <p:sldLayoutId id="2147483746" r:id="rId9"/>
+    <p:sldLayoutId id="2147483747" r:id="rId10"/>
+    <p:sldLayoutId id="2147483748" r:id="rId11"/>
+    <p:sldLayoutId id="2147483749" r:id="rId12"/>
+    <p:sldLayoutId id="2147483750" r:id="rId13"/>
+    <p:sldLayoutId id="2147483751" r:id="rId14"/>
+  </p:sldLayoutIdLst>
+</p:sldMaster>
+</file>
+
+<file path=ppt/slideMasters/slideMaster9.xml><?xml version="1.0" encoding="utf-8"?>
+<p:sldMaster xmlns:a="http://schemas.openxmlformats.org/drawingml/2006/main" xmlns:p="http://schemas.openxmlformats.org/presentationml/2006/main" xmlns:r="http://schemas.openxmlformats.org/officeDocument/2006/relationships" xmlns:p14="http://schemas.microsoft.com/office/powerpoint/2010/main" xmlns:p15="http://schemas.microsoft.com/office/powerpoint/2012/main" xmlns:mc="http://schemas.openxmlformats.org/markup-compatibility/2006">
+  <p:cSld>
+    <p:spTree>
+      <p:nvGrpSpPr>
+        <p:cNvPr id="1" name=""/>
+        <p:cNvGrpSpPr/>
+        <p:nvPr/>
+      </p:nvGrpSpPr>
+      <p:grpSpPr>
+        <a:xfrm>
+          <a:off x="0" y="0"/>
+          <a:ext cx="0" cy="0"/>
+          <a:chOff x="0" y="0"/>
+          <a:chExt cx="0" cy="0"/>
+        </a:xfrm>
+      </p:grpSpPr>
+      <p:sp>
+        <p:nvSpPr>
+          <p:cNvPr id="312" name="CustomShape 1"/>
+          <p:cNvSpPr/>
+          <p:nvPr/>
+        </p:nvSpPr>
+        <p:spPr>
+          <a:xfrm flipV="1">
+            <a:off x="0" y="-3600"/>
+            <a:ext cx="10076760" cy="176760"/>
+          </a:xfrm>
+          <a:prstGeom prst="rect">
+            <a:avLst/>
+          </a:prstGeom>
+          <a:pattFill prst="lgGrid">
+            <a:fgClr>
+              <a:srgbClr val="3465a4"/>
+            </a:fgClr>
+            <a:bgClr>
+              <a:srgbClr val="009eda"/>
+            </a:bgClr>
+          </a:pattFill>
+          <a:ln w="18000">
+            <a:noFill/>
+          </a:ln>
+          <a:effectLst>
+            <a:outerShdw dir="5400000" dist="10800">
+              <a:srgbClr val="f49100"/>
+            </a:outerShdw>
+          </a:effectLst>
+        </p:spPr>
+        <p:style>
+          <a:lnRef idx="0"/>
+          <a:fillRef idx="0"/>
+          <a:effectRef idx="0"/>
+          <a:fontRef idx="minor"/>
+        </p:style>
+      </p:sp>
+      <p:sp>
+        <p:nvSpPr>
+          <p:cNvPr id="313" name="CustomShape 2"/>
+          <p:cNvSpPr/>
+          <p:nvPr/>
+        </p:nvSpPr>
+        <p:spPr>
+          <a:xfrm>
+            <a:off x="0" y="5580000"/>
+            <a:ext cx="10076760" cy="86760"/>
+          </a:xfrm>
+          <a:prstGeom prst="rect">
+            <a:avLst/>
+          </a:prstGeom>
+          <a:pattFill prst="lgGrid">
+            <a:fgClr>
+              <a:srgbClr val="3465a4"/>
+            </a:fgClr>
+            <a:bgClr>
+              <a:srgbClr val="009eda"/>
+            </a:bgClr>
+          </a:pattFill>
+          <a:ln w="18000">
+            <a:noFill/>
+          </a:ln>
+          <a:effectLst>
+            <a:outerShdw dir="16200000" dist="10800">
+              <a:srgbClr val="f49100"/>
+            </a:outerShdw>
+          </a:effectLst>
+        </p:spPr>
+        <p:style>
+          <a:lnRef idx="0"/>
+          <a:fillRef idx="0"/>
+          <a:effectRef idx="0"/>
+          <a:fontRef idx="minor"/>
+        </p:style>
+      </p:sp>
+      <p:sp>
+        <p:nvSpPr>
+          <p:cNvPr id="314" name="PlaceHolder 3"/>
+          <p:cNvSpPr>
+            <a:spLocks noGrp="1"/>
+          </p:cNvSpPr>
+          <p:nvPr>
+            <p:ph type="title"/>
+          </p:nvPr>
+        </p:nvSpPr>
+        <p:spPr>
+          <a:xfrm>
+            <a:off x="504000" y="226080"/>
+            <a:ext cx="9072000" cy="946440"/>
+          </a:xfrm>
+          <a:prstGeom prst="rect">
+            <a:avLst/>
+          </a:prstGeom>
+        </p:spPr>
+        <p:txBody>
+          <a:bodyPr lIns="0" rIns="0" tIns="0" bIns="0" anchor="ctr">
+            <a:noAutofit/>
+          </a:bodyPr>
+          <a:p>
+            <a:pPr algn="ctr"/>
+            <a:r>
+              <a:rPr b="0" lang="es-MX" sz="4400" spc="-1" strike="noStrike">
+                <a:latin typeface="Arial"/>
+              </a:rPr>
+              <a:t>Pulse para editar el formato del texto de título</a:t>
+            </a:r>
+            <a:endParaRPr b="0" lang="es-MX" sz="4400" spc="-1" strike="noStrike">
+              <a:latin typeface="Arial"/>
+            </a:endParaRPr>
+          </a:p>
+        </p:txBody>
+      </p:sp>
+      <p:sp>
+        <p:nvSpPr>
+          <p:cNvPr id="315" name="PlaceHolder 4"/>
+          <p:cNvSpPr>
+            <a:spLocks noGrp="1"/>
+          </p:cNvSpPr>
+          <p:nvPr>
+            <p:ph type="body"/>
+          </p:nvPr>
+        </p:nvSpPr>
+        <p:spPr>
+          <a:xfrm>
+            <a:off x="504000" y="1326600"/>
+            <a:ext cx="9072000" cy="3288600"/>
+          </a:xfrm>
+          <a:prstGeom prst="rect">
+            <a:avLst/>
+          </a:prstGeom>
+        </p:spPr>
+        <p:txBody>
+          <a:bodyPr lIns="0" rIns="0" tIns="0" bIns="0">
+            <a:normAutofit/>
+          </a:bodyPr>
+          <a:p>
+            <a:pPr marL="432000" indent="-324000">
+              <a:spcBef>
+                <a:spcPts val="1417"/>
+              </a:spcBef>
+              <a:buClr>
+                <a:srgbClr val="000000"/>
+              </a:buClr>
+              <a:buSzPct val="45000"/>
+              <a:buFont typeface="Wingdings" charset="2"/>
+              <a:buChar char=""/>
+            </a:pPr>
+            <a:r>
+              <a:rPr b="0" lang="es-MX" sz="3200" spc="-1" strike="noStrike">
+                <a:latin typeface="Arial"/>
+              </a:rPr>
+              <a:t>Pulse para editar el formato de texto del esquema</a:t>
+            </a:r>
+            <a:endParaRPr b="0" lang="es-MX" sz="3200" spc="-1" strike="noStrike">
+              <a:latin typeface="Arial"/>
+            </a:endParaRPr>
+          </a:p>
+          <a:p>
+            <a:pPr lvl="1" marL="864000" indent="-324000">
+              <a:spcBef>
+                <a:spcPts val="1134"/>
+              </a:spcBef>
+              <a:buClr>
+                <a:srgbClr val="000000"/>
+              </a:buClr>
+              <a:buSzPct val="75000"/>
+              <a:buFont typeface="Symbol" charset="2"/>
+              <a:buChar char=""/>
+            </a:pPr>
+            <a:r>
+              <a:rPr b="0" lang="es-MX" sz="2800" spc="-1" strike="noStrike">
+                <a:latin typeface="Arial"/>
+              </a:rPr>
+              <a:t>Segundo nivel del esquema</a:t>
+            </a:r>
+            <a:endParaRPr b="0" lang="es-MX" sz="2800" spc="-1" strike="noStrike">
+              <a:latin typeface="Arial"/>
+            </a:endParaRPr>
+          </a:p>
+          <a:p>
+            <a:pPr lvl="2" marL="1296000" indent="-288000">
+              <a:spcBef>
+                <a:spcPts val="850"/>
+              </a:spcBef>
+              <a:buClr>
+                <a:srgbClr val="000000"/>
+              </a:buClr>
+              <a:buSzPct val="45000"/>
+              <a:buFont typeface="Wingdings" charset="2"/>
+              <a:buChar char=""/>
+            </a:pPr>
+            <a:r>
+              <a:rPr b="0" lang="es-MX" sz="2400" spc="-1" strike="noStrike">
+                <a:latin typeface="Arial"/>
+              </a:rPr>
+              <a:t>Tercer nivel del esquema</a:t>
+            </a:r>
+            <a:endParaRPr b="0" lang="es-MX" sz="2400" spc="-1" strike="noStrike">
+              <a:latin typeface="Arial"/>
+            </a:endParaRPr>
+          </a:p>
+          <a:p>
+            <a:pPr lvl="3" marL="1728000" indent="-216000">
+              <a:spcBef>
+                <a:spcPts val="567"/>
+              </a:spcBef>
+              <a:buClr>
+                <a:srgbClr val="000000"/>
+              </a:buClr>
+              <a:buSzPct val="75000"/>
+              <a:buFont typeface="Symbol" charset="2"/>
+              <a:buChar char=""/>
+            </a:pPr>
+            <a:r>
+              <a:rPr b="0" lang="es-MX" sz="2000" spc="-1" strike="noStrike">
+                <a:latin typeface="Arial"/>
+              </a:rPr>
+              <a:t>Cuarto nivel del esquema</a:t>
+            </a:r>
+            <a:endParaRPr b="0" lang="es-MX" sz="2000" spc="-1" strike="noStrike">
+              <a:latin typeface="Arial"/>
+            </a:endParaRPr>
+          </a:p>
+          <a:p>
+            <a:pPr lvl="4" marL="2160000" indent="-216000">
+              <a:spcBef>
+                <a:spcPts val="283"/>
+              </a:spcBef>
+              <a:buClr>
+                <a:srgbClr val="000000"/>
+              </a:buClr>
+              <a:buSzPct val="45000"/>
+              <a:buFont typeface="Wingdings" charset="2"/>
+              <a:buChar char=""/>
+            </a:pPr>
+            <a:r>
+              <a:rPr b="0" lang="es-MX" sz="2000" spc="-1" strike="noStrike">
+                <a:latin typeface="Arial"/>
+              </a:rPr>
+              <a:t>Quinto nivel del esquema</a:t>
+            </a:r>
+            <a:endParaRPr b="0" lang="es-MX" sz="2000" spc="-1" strike="noStrike">
+              <a:latin typeface="Arial"/>
+            </a:endParaRPr>
+          </a:p>
+          <a:p>
+            <a:pPr lvl="5" marL="2592000" indent="-216000">
+              <a:spcBef>
+                <a:spcPts val="283"/>
+              </a:spcBef>
+              <a:buClr>
+                <a:srgbClr val="000000"/>
+              </a:buClr>
+              <a:buSzPct val="45000"/>
+              <a:buFont typeface="Wingdings" charset="2"/>
+              <a:buChar char=""/>
+            </a:pPr>
+            <a:r>
+              <a:rPr b="0" lang="es-MX" sz="2000" spc="-1" strike="noStrike">
+                <a:latin typeface="Arial"/>
+              </a:rPr>
+              <a:t>Sexto nivel del esquema</a:t>
+            </a:r>
+            <a:endParaRPr b="0" lang="es-MX" sz="2000" spc="-1" strike="noStrike">
+              <a:latin typeface="Arial"/>
+            </a:endParaRPr>
+          </a:p>
+          <a:p>
+            <a:pPr lvl="6" marL="3024000" indent="-216000">
+              <a:spcBef>
+                <a:spcPts val="283"/>
+              </a:spcBef>
+              <a:buClr>
+                <a:srgbClr val="000000"/>
+              </a:buClr>
+              <a:buSzPct val="45000"/>
+              <a:buFont typeface="Wingdings" charset="2"/>
+              <a:buChar char=""/>
+            </a:pPr>
+            <a:r>
+              <a:rPr b="0" lang="es-MX" sz="2000" spc="-1" strike="noStrike">
+                <a:latin typeface="Arial"/>
+              </a:rPr>
+              <a:t>Séptimo nivel del esquema</a:t>
+            </a:r>
+            <a:endParaRPr b="0" lang="es-MX" sz="2000" spc="-1" strike="noStrike">
+              <a:latin typeface="Arial"/>
+            </a:endParaRPr>
+          </a:p>
+        </p:txBody>
+      </p:sp>
+    </p:spTree>
+  </p:cSld>
+  <p:clrMap bg1="lt1" bg2="lt2" tx1="dk1" tx2="dk2" accent1="accent1" accent2="accent2" accent3="accent3" accent4="accent4" accent5="accent5" accent6="accent6" hlink="hlink" folHlink="folHlink"/>
+  <p:sldLayoutIdLst>
+    <p:sldLayoutId id="2147483753" r:id="rId2"/>
+    <p:sldLayoutId id="2147483754" r:id="rId3"/>
+    <p:sldLayoutId id="2147483755" r:id="rId4"/>
+    <p:sldLayoutId id="2147483756" r:id="rId5"/>
+    <p:sldLayoutId id="2147483757" r:id="rId6"/>
+    <p:sldLayoutId id="2147483758" r:id="rId7"/>
+    <p:sldLayoutId id="2147483759" r:id="rId8"/>
+    <p:sldLayoutId id="2147483760" r:id="rId9"/>
+    <p:sldLayoutId id="2147483761" r:id="rId10"/>
+    <p:sldLayoutId id="2147483762" r:id="rId11"/>
+    <p:sldLayoutId id="2147483763" r:id="rId12"/>
+    <p:sldLayoutId id="2147483764" r:id="rId13"/>
   </p:sldLayoutIdLst>
 </p:sldMaster>
 </file>
@@ -15015,7 +15003,7 @@
         <p:spPr>
           <a:xfrm>
             <a:off x="450000" y="270000"/>
-            <a:ext cx="8997480" cy="3237480"/>
+            <a:ext cx="8996760" cy="3236760"/>
           </a:xfrm>
           <a:prstGeom prst="rect">
             <a:avLst/>
@@ -15066,7 +15054,7 @@
         <p:spPr>
           <a:xfrm>
             <a:off x="450000" y="3870000"/>
-            <a:ext cx="8997480" cy="1167480"/>
+            <a:ext cx="8996760" cy="1166760"/>
           </a:xfrm>
           <a:prstGeom prst="rect">
             <a:avLst/>
@@ -15155,7 +15143,7 @@
         <p:spPr>
           <a:xfrm>
             <a:off x="502920" y="90720"/>
-            <a:ext cx="9069120" cy="944280"/>
+            <a:ext cx="9068400" cy="943560"/>
           </a:xfrm>
           <a:prstGeom prst="rect">
             <a:avLst/>
@@ -15173,7 +15161,7 @@
         </p:style>
         <p:txBody>
           <a:bodyPr lIns="0" rIns="0" tIns="0" bIns="0" anchor="b">
-            <a:normAutofit fontScale="59000"/>
+            <a:normAutofit fontScale="57000"/>
           </a:bodyPr>
           <a:p>
             <a:pPr>
@@ -15236,7 +15224,7 @@
         <p:spPr>
           <a:xfrm>
             <a:off x="502920" y="1440000"/>
-            <a:ext cx="9019440" cy="3495240"/>
+            <a:ext cx="9018720" cy="3494520"/>
           </a:xfrm>
           <a:prstGeom prst="rect">
             <a:avLst/>
@@ -15262,7 +15250,7 @@
         <p:spPr>
           <a:xfrm>
             <a:off x="360000" y="1080000"/>
-            <a:ext cx="8818560" cy="2392560"/>
+            <a:ext cx="8817840" cy="2391840"/>
           </a:xfrm>
           <a:prstGeom prst="rect">
             <a:avLst/>
@@ -15551,7 +15539,7 @@
         <p:spPr>
           <a:xfrm>
             <a:off x="502920" y="90720"/>
-            <a:ext cx="9069120" cy="944280"/>
+            <a:ext cx="9068400" cy="943560"/>
           </a:xfrm>
           <a:prstGeom prst="rect">
             <a:avLst/>
@@ -15569,7 +15557,7 @@
         </p:style>
         <p:txBody>
           <a:bodyPr lIns="0" rIns="0" tIns="0" bIns="0" anchor="b">
-            <a:normAutofit fontScale="59000"/>
+            <a:normAutofit fontScale="57000"/>
           </a:bodyPr>
           <a:p>
             <a:pPr>
@@ -15632,7 +15620,7 @@
         <p:spPr>
           <a:xfrm>
             <a:off x="502920" y="1440000"/>
-            <a:ext cx="9019440" cy="3495240"/>
+            <a:ext cx="9018720" cy="3494520"/>
           </a:xfrm>
           <a:prstGeom prst="rect">
             <a:avLst/>
@@ -15658,7 +15646,7 @@
         <p:spPr>
           <a:xfrm>
             <a:off x="360000" y="1080000"/>
-            <a:ext cx="8818560" cy="2392560"/>
+            <a:ext cx="8817840" cy="2391840"/>
           </a:xfrm>
           <a:prstGeom prst="rect">
             <a:avLst/>
@@ -16027,7 +16015,7 @@
         <p:spPr>
           <a:xfrm>
             <a:off x="502920" y="90720"/>
-            <a:ext cx="9069120" cy="944280"/>
+            <a:ext cx="9068400" cy="943560"/>
           </a:xfrm>
           <a:prstGeom prst="rect">
             <a:avLst/>
@@ -16045,7 +16033,7 @@
         </p:style>
         <p:txBody>
           <a:bodyPr lIns="0" rIns="0" tIns="0" bIns="0" anchor="b">
-            <a:normAutofit fontScale="59000"/>
+            <a:normAutofit fontScale="57000"/>
           </a:bodyPr>
           <a:p>
             <a:pPr>
@@ -16108,7 +16096,7 @@
         <p:spPr>
           <a:xfrm>
             <a:off x="502920" y="1440000"/>
-            <a:ext cx="9019440" cy="3495240"/>
+            <a:ext cx="9018720" cy="3494520"/>
           </a:xfrm>
           <a:prstGeom prst="rect">
             <a:avLst/>
@@ -16134,7 +16122,7 @@
         <p:spPr>
           <a:xfrm>
             <a:off x="360000" y="1080000"/>
-            <a:ext cx="8818560" cy="2392560"/>
+            <a:ext cx="8817840" cy="2391840"/>
           </a:xfrm>
           <a:prstGeom prst="rect">
             <a:avLst/>
@@ -16493,7 +16481,7 @@
         <p:spPr>
           <a:xfrm>
             <a:off x="502920" y="90720"/>
-            <a:ext cx="9069120" cy="944280"/>
+            <a:ext cx="9068400" cy="943560"/>
           </a:xfrm>
           <a:prstGeom prst="rect">
             <a:avLst/>
@@ -16511,7 +16499,7 @@
         </p:style>
         <p:txBody>
           <a:bodyPr lIns="0" rIns="0" tIns="0" bIns="0" anchor="b">
-            <a:normAutofit fontScale="59000"/>
+            <a:normAutofit fontScale="57000"/>
           </a:bodyPr>
           <a:p>
             <a:pPr>
@@ -16574,7 +16562,7 @@
         <p:spPr>
           <a:xfrm>
             <a:off x="502920" y="1440000"/>
-            <a:ext cx="9019440" cy="3495240"/>
+            <a:ext cx="9018720" cy="3494520"/>
           </a:xfrm>
           <a:prstGeom prst="rect">
             <a:avLst/>
@@ -16600,7 +16588,7 @@
         <p:spPr>
           <a:xfrm>
             <a:off x="360000" y="1080000"/>
-            <a:ext cx="8818560" cy="2392560"/>
+            <a:ext cx="8817840" cy="2391840"/>
           </a:xfrm>
           <a:prstGeom prst="rect">
             <a:avLst/>
@@ -16969,7 +16957,7 @@
         <p:spPr>
           <a:xfrm>
             <a:off x="502920" y="90720"/>
-            <a:ext cx="9069120" cy="944280"/>
+            <a:ext cx="9068400" cy="943560"/>
           </a:xfrm>
           <a:prstGeom prst="rect">
             <a:avLst/>
@@ -16987,7 +16975,7 @@
         </p:style>
         <p:txBody>
           <a:bodyPr lIns="0" rIns="0" tIns="0" bIns="0" anchor="b">
-            <a:normAutofit fontScale="59000"/>
+            <a:normAutofit fontScale="57000"/>
           </a:bodyPr>
           <a:p>
             <a:pPr>
@@ -17050,7 +17038,7 @@
         <p:spPr>
           <a:xfrm>
             <a:off x="502920" y="1440000"/>
-            <a:ext cx="9019440" cy="3495240"/>
+            <a:ext cx="9018720" cy="3494520"/>
           </a:xfrm>
           <a:prstGeom prst="rect">
             <a:avLst/>
@@ -17076,7 +17064,7 @@
         <p:spPr>
           <a:xfrm>
             <a:off x="360000" y="1080000"/>
-            <a:ext cx="8818560" cy="2392560"/>
+            <a:ext cx="8817840" cy="2391840"/>
           </a:xfrm>
           <a:prstGeom prst="rect">
             <a:avLst/>
@@ -17485,7 +17473,7 @@
         <p:spPr>
           <a:xfrm>
             <a:off x="502920" y="90720"/>
-            <a:ext cx="9069120" cy="944280"/>
+            <a:ext cx="9068400" cy="943560"/>
           </a:xfrm>
           <a:prstGeom prst="rect">
             <a:avLst/>
@@ -17503,7 +17491,7 @@
         </p:style>
         <p:txBody>
           <a:bodyPr lIns="0" rIns="0" tIns="0" bIns="0" anchor="b">
-            <a:normAutofit fontScale="59000"/>
+            <a:normAutofit fontScale="57000"/>
           </a:bodyPr>
           <a:p>
             <a:pPr>
@@ -17566,7 +17554,7 @@
         <p:spPr>
           <a:xfrm>
             <a:off x="502920" y="1440000"/>
-            <a:ext cx="9019440" cy="3495240"/>
+            <a:ext cx="9018720" cy="3494520"/>
           </a:xfrm>
           <a:prstGeom prst="rect">
             <a:avLst/>
@@ -17592,7 +17580,7 @@
         <p:spPr>
           <a:xfrm>
             <a:off x="360000" y="1080000"/>
-            <a:ext cx="8818560" cy="2392560"/>
+            <a:ext cx="8817840" cy="2391840"/>
           </a:xfrm>
           <a:prstGeom prst="rect">
             <a:avLst/>
@@ -18061,7 +18049,7 @@
         <p:spPr>
           <a:xfrm>
             <a:off x="502920" y="90720"/>
-            <a:ext cx="9069120" cy="944280"/>
+            <a:ext cx="9068400" cy="943560"/>
           </a:xfrm>
           <a:prstGeom prst="rect">
             <a:avLst/>
@@ -18079,7 +18067,7 @@
         </p:style>
         <p:txBody>
           <a:bodyPr lIns="0" rIns="0" tIns="0" bIns="0" anchor="b">
-            <a:normAutofit fontScale="59000"/>
+            <a:normAutofit fontScale="57000"/>
           </a:bodyPr>
           <a:p>
             <a:pPr>
@@ -18142,7 +18130,7 @@
         <p:spPr>
           <a:xfrm>
             <a:off x="502920" y="1440000"/>
-            <a:ext cx="9019440" cy="3495240"/>
+            <a:ext cx="9018720" cy="3494520"/>
           </a:xfrm>
           <a:prstGeom prst="rect">
             <a:avLst/>
@@ -18168,7 +18156,7 @@
         <p:spPr>
           <a:xfrm>
             <a:off x="360000" y="1080000"/>
-            <a:ext cx="8818560" cy="2392560"/>
+            <a:ext cx="8817840" cy="2391840"/>
           </a:xfrm>
           <a:prstGeom prst="rect">
             <a:avLst/>
@@ -18667,7 +18655,7 @@
         <p:spPr>
           <a:xfrm>
             <a:off x="502920" y="90720"/>
-            <a:ext cx="9069120" cy="944280"/>
+            <a:ext cx="9068400" cy="943560"/>
           </a:xfrm>
           <a:prstGeom prst="rect">
             <a:avLst/>
@@ -18685,7 +18673,7 @@
         </p:style>
         <p:txBody>
           <a:bodyPr lIns="0" rIns="0" tIns="0" bIns="0" anchor="b">
-            <a:normAutofit fontScale="59000"/>
+            <a:normAutofit fontScale="57000"/>
           </a:bodyPr>
           <a:p>
             <a:pPr>
@@ -18748,7 +18736,7 @@
         <p:spPr>
           <a:xfrm>
             <a:off x="502920" y="1440000"/>
-            <a:ext cx="9019440" cy="3495240"/>
+            <a:ext cx="9018720" cy="3494520"/>
           </a:xfrm>
           <a:prstGeom prst="rect">
             <a:avLst/>
@@ -18774,7 +18762,7 @@
         <p:spPr>
           <a:xfrm>
             <a:off x="360000" y="1080000"/>
-            <a:ext cx="8818560" cy="2392560"/>
+            <a:ext cx="8817840" cy="2391840"/>
           </a:xfrm>
           <a:prstGeom prst="rect">
             <a:avLst/>
@@ -19303,7 +19291,7 @@
         <p:spPr>
           <a:xfrm>
             <a:off x="502920" y="90720"/>
-            <a:ext cx="9069120" cy="944280"/>
+            <a:ext cx="9068400" cy="943560"/>
           </a:xfrm>
           <a:prstGeom prst="rect">
             <a:avLst/>
@@ -19321,7 +19309,7 @@
         </p:style>
         <p:txBody>
           <a:bodyPr lIns="0" rIns="0" tIns="0" bIns="0" anchor="b">
-            <a:normAutofit fontScale="59000"/>
+            <a:normAutofit fontScale="57000"/>
           </a:bodyPr>
           <a:p>
             <a:pPr>
@@ -19384,7 +19372,7 @@
         <p:spPr>
           <a:xfrm>
             <a:off x="502920" y="1440000"/>
-            <a:ext cx="9019440" cy="3495240"/>
+            <a:ext cx="9018720" cy="3494520"/>
           </a:xfrm>
           <a:prstGeom prst="rect">
             <a:avLst/>
@@ -19410,7 +19398,7 @@
         <p:spPr>
           <a:xfrm>
             <a:off x="360000" y="1080000"/>
-            <a:ext cx="8818560" cy="2392560"/>
+            <a:ext cx="8817840" cy="2391840"/>
           </a:xfrm>
           <a:prstGeom prst="rect">
             <a:avLst/>
@@ -19869,7 +19857,7 @@
         <p:spPr>
           <a:xfrm>
             <a:off x="502920" y="90720"/>
-            <a:ext cx="9069120" cy="944280"/>
+            <a:ext cx="9068400" cy="943560"/>
           </a:xfrm>
           <a:prstGeom prst="rect">
             <a:avLst/>
@@ -19887,7 +19875,7 @@
         </p:style>
         <p:txBody>
           <a:bodyPr lIns="0" rIns="0" tIns="0" bIns="0" anchor="b">
-            <a:normAutofit fontScale="59000"/>
+            <a:normAutofit fontScale="57000"/>
           </a:bodyPr>
           <a:p>
             <a:pPr>
@@ -19950,7 +19938,7 @@
         <p:spPr>
           <a:xfrm>
             <a:off x="502920" y="1440000"/>
-            <a:ext cx="9019440" cy="3495240"/>
+            <a:ext cx="9018720" cy="3494520"/>
           </a:xfrm>
           <a:prstGeom prst="rect">
             <a:avLst/>
@@ -19976,7 +19964,7 @@
         <p:spPr>
           <a:xfrm>
             <a:off x="360000" y="1080000"/>
-            <a:ext cx="8818560" cy="2392560"/>
+            <a:ext cx="8817840" cy="2391840"/>
           </a:xfrm>
           <a:prstGeom prst="rect">
             <a:avLst/>
@@ -20405,7 +20393,7 @@
         <p:spPr>
           <a:xfrm>
             <a:off x="502920" y="90720"/>
-            <a:ext cx="9069120" cy="944280"/>
+            <a:ext cx="9068400" cy="943560"/>
           </a:xfrm>
           <a:prstGeom prst="rect">
             <a:avLst/>
@@ -20456,7 +20444,7 @@
         <p:spPr>
           <a:xfrm>
             <a:off x="502920" y="1440000"/>
-            <a:ext cx="9019440" cy="3495240"/>
+            <a:ext cx="9018720" cy="3494520"/>
           </a:xfrm>
           <a:prstGeom prst="rect">
             <a:avLst/>
@@ -20477,7 +20465,7 @@
             <a:normAutofit fontScale="56000"/>
           </a:bodyPr>
           <a:p>
-            <a:pPr marL="432000" indent="-321480">
+            <a:pPr marL="432000" indent="-320760">
               <a:lnSpc>
                 <a:spcPct val="100000"/>
               </a:lnSpc>
@@ -20506,7 +20494,7 @@
             </a:endParaRPr>
           </a:p>
           <a:p>
-            <a:pPr marL="432000" indent="-321480">
+            <a:pPr marL="432000" indent="-320760">
               <a:lnSpc>
                 <a:spcPct val="100000"/>
               </a:lnSpc>
@@ -20535,7 +20523,7 @@
             </a:endParaRPr>
           </a:p>
           <a:p>
-            <a:pPr marL="432000" indent="-321480">
+            <a:pPr marL="432000" indent="-320760">
               <a:lnSpc>
                 <a:spcPct val="100000"/>
               </a:lnSpc>
@@ -20564,7 +20552,7 @@
             </a:endParaRPr>
           </a:p>
           <a:p>
-            <a:pPr marL="432000" indent="-321480">
+            <a:pPr marL="432000" indent="-320760">
               <a:lnSpc>
                 <a:spcPct val="100000"/>
               </a:lnSpc>
@@ -20593,7 +20581,7 @@
             </a:endParaRPr>
           </a:p>
           <a:p>
-            <a:pPr marL="432000" indent="-321480">
+            <a:pPr marL="432000" indent="-320760">
               <a:lnSpc>
                 <a:spcPct val="100000"/>
               </a:lnSpc>
@@ -20622,7 +20610,7 @@
             </a:endParaRPr>
           </a:p>
           <a:p>
-            <a:pPr marL="432000" indent="-321480">
+            <a:pPr marL="432000" indent="-320760">
               <a:lnSpc>
                 <a:spcPct val="100000"/>
               </a:lnSpc>
@@ -20651,7 +20639,7 @@
             </a:endParaRPr>
           </a:p>
           <a:p>
-            <a:pPr marL="432000" indent="-321480">
+            <a:pPr marL="432000" indent="-320760">
               <a:lnSpc>
                 <a:spcPct val="100000"/>
               </a:lnSpc>
@@ -20680,7 +20668,7 @@
             </a:endParaRPr>
           </a:p>
           <a:p>
-            <a:pPr marL="432000" indent="-321480">
+            <a:pPr marL="432000" indent="-320760">
               <a:lnSpc>
                 <a:spcPct val="100000"/>
               </a:lnSpc>
@@ -20709,7 +20697,7 @@
             </a:endParaRPr>
           </a:p>
           <a:p>
-            <a:pPr marL="432000" indent="-321480">
+            <a:pPr marL="432000" indent="-320760">
               <a:lnSpc>
                 <a:spcPct val="100000"/>
               </a:lnSpc>
@@ -20786,7 +20774,7 @@
         <p:spPr>
           <a:xfrm>
             <a:off x="502920" y="90720"/>
-            <a:ext cx="9069120" cy="944280"/>
+            <a:ext cx="9068400" cy="943560"/>
           </a:xfrm>
           <a:prstGeom prst="rect">
             <a:avLst/>
@@ -20804,7 +20792,7 @@
         </p:style>
         <p:txBody>
           <a:bodyPr lIns="0" rIns="0" tIns="0" bIns="0" anchor="b">
-            <a:normAutofit fontScale="59000"/>
+            <a:normAutofit fontScale="57000"/>
           </a:bodyPr>
           <a:p>
             <a:pPr>
@@ -20867,7 +20855,7 @@
         <p:spPr>
           <a:xfrm>
             <a:off x="502920" y="1440000"/>
-            <a:ext cx="9019440" cy="3495240"/>
+            <a:ext cx="9018720" cy="3494520"/>
           </a:xfrm>
           <a:prstGeom prst="rect">
             <a:avLst/>
@@ -20893,7 +20881,7 @@
         <p:spPr>
           <a:xfrm>
             <a:off x="360000" y="1080000"/>
-            <a:ext cx="8818560" cy="2392560"/>
+            <a:ext cx="8817840" cy="2391840"/>
           </a:xfrm>
           <a:prstGeom prst="rect">
             <a:avLst/>
@@ -21442,7 +21430,7 @@
         <p:spPr>
           <a:xfrm>
             <a:off x="502920" y="90720"/>
-            <a:ext cx="9069120" cy="944280"/>
+            <a:ext cx="9068400" cy="943560"/>
           </a:xfrm>
           <a:prstGeom prst="rect">
             <a:avLst/>
@@ -21460,7 +21448,7 @@
         </p:style>
         <p:txBody>
           <a:bodyPr lIns="0" rIns="0" tIns="0" bIns="0" anchor="b">
-            <a:normAutofit fontScale="59000"/>
+            <a:normAutofit fontScale="57000"/>
           </a:bodyPr>
           <a:p>
             <a:pPr>
@@ -21523,7 +21511,7 @@
         <p:spPr>
           <a:xfrm>
             <a:off x="502920" y="1440000"/>
-            <a:ext cx="9019440" cy="3495240"/>
+            <a:ext cx="9018720" cy="3494520"/>
           </a:xfrm>
           <a:prstGeom prst="rect">
             <a:avLst/>
@@ -21549,7 +21537,7 @@
         <p:spPr>
           <a:xfrm>
             <a:off x="360000" y="1080000"/>
-            <a:ext cx="8818560" cy="2392560"/>
+            <a:ext cx="8817840" cy="2391840"/>
           </a:xfrm>
           <a:prstGeom prst="rect">
             <a:avLst/>
@@ -22088,7 +22076,7 @@
         <p:spPr>
           <a:xfrm>
             <a:off x="502920" y="90720"/>
-            <a:ext cx="9069120" cy="944280"/>
+            <a:ext cx="9068400" cy="943560"/>
           </a:xfrm>
           <a:prstGeom prst="rect">
             <a:avLst/>
@@ -22106,7 +22094,7 @@
         </p:style>
         <p:txBody>
           <a:bodyPr lIns="0" rIns="0" tIns="0" bIns="0" anchor="b">
-            <a:normAutofit fontScale="59000"/>
+            <a:normAutofit fontScale="57000"/>
           </a:bodyPr>
           <a:p>
             <a:pPr>
@@ -22169,7 +22157,7 @@
         <p:spPr>
           <a:xfrm>
             <a:off x="502920" y="1440000"/>
-            <a:ext cx="9019440" cy="3495240"/>
+            <a:ext cx="9018720" cy="3494520"/>
           </a:xfrm>
           <a:prstGeom prst="rect">
             <a:avLst/>
@@ -22195,7 +22183,7 @@
         <p:spPr>
           <a:xfrm>
             <a:off x="360000" y="1080000"/>
-            <a:ext cx="8818560" cy="2392560"/>
+            <a:ext cx="8817840" cy="2391840"/>
           </a:xfrm>
           <a:prstGeom prst="rect">
             <a:avLst/>
@@ -22714,7 +22702,7 @@
         <p:spPr>
           <a:xfrm>
             <a:off x="502920" y="90720"/>
-            <a:ext cx="9069120" cy="944280"/>
+            <a:ext cx="9068400" cy="943560"/>
           </a:xfrm>
           <a:prstGeom prst="rect">
             <a:avLst/>
@@ -22732,7 +22720,7 @@
         </p:style>
         <p:txBody>
           <a:bodyPr lIns="0" rIns="0" tIns="0" bIns="0" anchor="b">
-            <a:normAutofit fontScale="59000"/>
+            <a:normAutofit fontScale="57000"/>
           </a:bodyPr>
           <a:p>
             <a:pPr>
@@ -22795,7 +22783,7 @@
         <p:spPr>
           <a:xfrm>
             <a:off x="502920" y="1440000"/>
-            <a:ext cx="9019440" cy="3495240"/>
+            <a:ext cx="9018720" cy="3494520"/>
           </a:xfrm>
           <a:prstGeom prst="rect">
             <a:avLst/>
@@ -22821,7 +22809,7 @@
         <p:spPr>
           <a:xfrm>
             <a:off x="360000" y="1080000"/>
-            <a:ext cx="8818560" cy="2392560"/>
+            <a:ext cx="8817840" cy="2391840"/>
           </a:xfrm>
           <a:prstGeom prst="rect">
             <a:avLst/>
@@ -23310,7 +23298,7 @@
         <p:spPr>
           <a:xfrm>
             <a:off x="502920" y="90720"/>
-            <a:ext cx="9069120" cy="944280"/>
+            <a:ext cx="9068400" cy="943560"/>
           </a:xfrm>
           <a:prstGeom prst="rect">
             <a:avLst/>
@@ -23391,7 +23379,7 @@
         <p:spPr>
           <a:xfrm>
             <a:off x="502920" y="1440000"/>
-            <a:ext cx="9019440" cy="3495240"/>
+            <a:ext cx="9018720" cy="3494520"/>
           </a:xfrm>
           <a:prstGeom prst="rect">
             <a:avLst/>
@@ -23417,7 +23405,7 @@
         <p:spPr>
           <a:xfrm>
             <a:off x="360000" y="1080000"/>
-            <a:ext cx="8818560" cy="2392560"/>
+            <a:ext cx="8817840" cy="2391840"/>
           </a:xfrm>
           <a:prstGeom prst="rect">
             <a:avLst/>
@@ -23966,7 +23954,7 @@
         <p:spPr>
           <a:xfrm>
             <a:off x="502920" y="90720"/>
-            <a:ext cx="9069120" cy="944280"/>
+            <a:ext cx="9068400" cy="943560"/>
           </a:xfrm>
           <a:prstGeom prst="rect">
             <a:avLst/>
@@ -24047,7 +24035,7 @@
         <p:spPr>
           <a:xfrm>
             <a:off x="502920" y="1440000"/>
-            <a:ext cx="9019440" cy="3495240"/>
+            <a:ext cx="9018720" cy="3494520"/>
           </a:xfrm>
           <a:prstGeom prst="rect">
             <a:avLst/>
@@ -24073,7 +24061,7 @@
         <p:spPr>
           <a:xfrm>
             <a:off x="360000" y="1080000"/>
-            <a:ext cx="8818560" cy="2392560"/>
+            <a:ext cx="8817840" cy="2391840"/>
           </a:xfrm>
           <a:prstGeom prst="rect">
             <a:avLst/>
@@ -24732,7 +24720,7 @@
         <p:spPr>
           <a:xfrm>
             <a:off x="502920" y="90720"/>
-            <a:ext cx="9069120" cy="944280"/>
+            <a:ext cx="9068400" cy="943560"/>
           </a:xfrm>
           <a:prstGeom prst="rect">
             <a:avLst/>
@@ -24750,7 +24738,7 @@
         </p:style>
         <p:txBody>
           <a:bodyPr lIns="0" rIns="0" tIns="0" bIns="0" anchor="b">
-            <a:normAutofit fontScale="59000"/>
+            <a:normAutofit fontScale="57000"/>
           </a:bodyPr>
           <a:p>
             <a:pPr>
@@ -24813,7 +24801,7 @@
         <p:spPr>
           <a:xfrm>
             <a:off x="502920" y="1440000"/>
-            <a:ext cx="9019440" cy="3495240"/>
+            <a:ext cx="9018720" cy="3494520"/>
           </a:xfrm>
           <a:prstGeom prst="rect">
             <a:avLst/>
@@ -24839,7 +24827,7 @@
         <p:spPr>
           <a:xfrm>
             <a:off x="360000" y="1080000"/>
-            <a:ext cx="8818560" cy="2392560"/>
+            <a:ext cx="8817840" cy="2391840"/>
           </a:xfrm>
           <a:prstGeom prst="rect">
             <a:avLst/>
@@ -25498,7 +25486,7 @@
         <p:spPr>
           <a:xfrm>
             <a:off x="502920" y="90720"/>
-            <a:ext cx="9069120" cy="944280"/>
+            <a:ext cx="9068400" cy="943560"/>
           </a:xfrm>
           <a:prstGeom prst="rect">
             <a:avLst/>
@@ -25516,7 +25504,7 @@
         </p:style>
         <p:txBody>
           <a:bodyPr lIns="0" rIns="0" tIns="0" bIns="0" anchor="b">
-            <a:normAutofit fontScale="59000"/>
+            <a:normAutofit fontScale="57000"/>
           </a:bodyPr>
           <a:p>
             <a:pPr>
@@ -25579,7 +25567,7 @@
         <p:spPr>
           <a:xfrm>
             <a:off x="502920" y="1440000"/>
-            <a:ext cx="9019440" cy="3495240"/>
+            <a:ext cx="9018720" cy="3494520"/>
           </a:xfrm>
           <a:prstGeom prst="rect">
             <a:avLst/>
@@ -25605,7 +25593,7 @@
         <p:spPr>
           <a:xfrm>
             <a:off x="360000" y="1080000"/>
-            <a:ext cx="8818560" cy="2392560"/>
+            <a:ext cx="8817840" cy="2391840"/>
           </a:xfrm>
           <a:prstGeom prst="rect">
             <a:avLst/>
@@ -26164,7 +26152,7 @@
         <p:spPr>
           <a:xfrm>
             <a:off x="502920" y="90720"/>
-            <a:ext cx="9069120" cy="944280"/>
+            <a:ext cx="9068400" cy="943560"/>
           </a:xfrm>
           <a:prstGeom prst="rect">
             <a:avLst/>
@@ -26182,7 +26170,7 @@
         </p:style>
         <p:txBody>
           <a:bodyPr lIns="0" rIns="0" tIns="0" bIns="0" anchor="b">
-            <a:normAutofit fontScale="59000"/>
+            <a:normAutofit fontScale="57000"/>
           </a:bodyPr>
           <a:p>
             <a:pPr>
@@ -26245,7 +26233,7 @@
         <p:spPr>
           <a:xfrm>
             <a:off x="502920" y="1440000"/>
-            <a:ext cx="9019440" cy="3495240"/>
+            <a:ext cx="9018720" cy="3494520"/>
           </a:xfrm>
           <a:prstGeom prst="rect">
             <a:avLst/>
@@ -26271,7 +26259,7 @@
         <p:spPr>
           <a:xfrm>
             <a:off x="360000" y="1080000"/>
-            <a:ext cx="8818560" cy="2392560"/>
+            <a:ext cx="8817840" cy="2391840"/>
           </a:xfrm>
           <a:prstGeom prst="rect">
             <a:avLst/>
@@ -26960,7 +26948,7 @@
         <p:spPr>
           <a:xfrm>
             <a:off x="502920" y="90720"/>
-            <a:ext cx="9069120" cy="944280"/>
+            <a:ext cx="9068400" cy="943560"/>
           </a:xfrm>
           <a:prstGeom prst="rect">
             <a:avLst/>
@@ -27041,7 +27029,7 @@
         <p:spPr>
           <a:xfrm>
             <a:off x="502920" y="1440000"/>
-            <a:ext cx="9019440" cy="3495240"/>
+            <a:ext cx="9018720" cy="3494520"/>
           </a:xfrm>
           <a:prstGeom prst="rect">
             <a:avLst/>
@@ -27067,7 +27055,7 @@
         <p:spPr>
           <a:xfrm>
             <a:off x="360000" y="1080000"/>
-            <a:ext cx="8818560" cy="2392560"/>
+            <a:ext cx="8817840" cy="2391840"/>
           </a:xfrm>
           <a:prstGeom prst="rect">
             <a:avLst/>
@@ -27756,7 +27744,7 @@
         <p:spPr>
           <a:xfrm>
             <a:off x="502920" y="90720"/>
-            <a:ext cx="9069120" cy="944280"/>
+            <a:ext cx="9068400" cy="943560"/>
           </a:xfrm>
           <a:prstGeom prst="rect">
             <a:avLst/>
@@ -27807,7 +27795,7 @@
         <p:spPr>
           <a:xfrm>
             <a:off x="502920" y="1440000"/>
-            <a:ext cx="9019440" cy="3495240"/>
+            <a:ext cx="9018720" cy="3494520"/>
           </a:xfrm>
           <a:prstGeom prst="rect">
             <a:avLst/>
@@ -27828,7 +27816,7 @@
             <a:normAutofit/>
           </a:bodyPr>
           <a:p>
-            <a:pPr marL="432000" indent="-321480">
+            <a:pPr marL="432000" indent="-320760">
               <a:lnSpc>
                 <a:spcPct val="100000"/>
               </a:lnSpc>
@@ -27857,7 +27845,7 @@
             </a:endParaRPr>
           </a:p>
           <a:p>
-            <a:pPr marL="432000" indent="-321480">
+            <a:pPr marL="432000" indent="-320760">
               <a:lnSpc>
                 <a:spcPct val="100000"/>
               </a:lnSpc>
@@ -27896,7 +27884,7 @@
             </a:endParaRPr>
           </a:p>
           <a:p>
-            <a:pPr marL="432000" indent="-321480">
+            <a:pPr marL="432000" indent="-320760">
               <a:lnSpc>
                 <a:spcPct val="100000"/>
               </a:lnSpc>
@@ -27949,7 +27937,7 @@
         <p:spPr>
           <a:xfrm>
             <a:off x="1715760" y="3240000"/>
-            <a:ext cx="6723000" cy="2008440"/>
+            <a:ext cx="6722280" cy="2007720"/>
           </a:xfrm>
           <a:prstGeom prst="rect">
             <a:avLst/>
@@ -28006,7 +27994,7 @@
         <p:spPr>
           <a:xfrm>
             <a:off x="502920" y="90720"/>
-            <a:ext cx="9069120" cy="944280"/>
+            <a:ext cx="9068400" cy="943560"/>
           </a:xfrm>
           <a:prstGeom prst="rect">
             <a:avLst/>
@@ -28057,7 +28045,7 @@
         <p:spPr>
           <a:xfrm>
             <a:off x="502920" y="1440000"/>
-            <a:ext cx="9019440" cy="3495240"/>
+            <a:ext cx="9018720" cy="3494520"/>
           </a:xfrm>
           <a:prstGeom prst="rect">
             <a:avLst/>
@@ -28083,7 +28071,7 @@
         <p:spPr>
           <a:xfrm>
             <a:off x="360000" y="1080000"/>
-            <a:ext cx="8818560" cy="2392560"/>
+            <a:ext cx="8817840" cy="2391840"/>
           </a:xfrm>
           <a:prstGeom prst="rect">
             <a:avLst/>
@@ -28542,7 +28530,7 @@
         <p:spPr>
           <a:xfrm>
             <a:off x="502920" y="90720"/>
-            <a:ext cx="9069120" cy="944280"/>
+            <a:ext cx="9068400" cy="943560"/>
           </a:xfrm>
           <a:prstGeom prst="rect">
             <a:avLst/>
@@ -28593,7 +28581,7 @@
         <p:spPr>
           <a:xfrm>
             <a:off x="502920" y="1440000"/>
-            <a:ext cx="9019440" cy="3495240"/>
+            <a:ext cx="9018720" cy="3494520"/>
           </a:xfrm>
           <a:prstGeom prst="rect">
             <a:avLst/>
@@ -28619,7 +28607,7 @@
         <p:spPr>
           <a:xfrm>
             <a:off x="360000" y="1080000"/>
-            <a:ext cx="8818560" cy="2392560"/>
+            <a:ext cx="8817840" cy="2391840"/>
           </a:xfrm>
           <a:prstGeom prst="rect">
             <a:avLst/>
@@ -28653,8 +28641,28 @@
                 <a:latin typeface="Arial"/>
                 <a:ea typeface="DejaVu Sans"/>
               </a:rPr>
-              <a:t>Como una alternativa al arreglo de caracteres, se puede hacer que un apuntador a carácter apunte a una cadena. La cadena es </a:t>
-            </a:r>
+              <a:t>Como una alternativa al arreglo de caracteres, se puede hacer que un apuntador a carácter apunte a una cadena. La cadena es entonces almacenada automáticamente en el archivo compilado, dándole al apuntador una ubicación de memoria a la cual apuntar. En la mayoría de los compiladores esta ubicación es un bloque de solo lectura, así que, a diferencia de los arreglos de caracteres, los caracteres en esta cadena no se pueden cambiar.</a:t>
+            </a:r>
+            <a:endParaRPr b="0" lang="es-MX" sz="1700" spc="-1" strike="noStrike">
+              <a:latin typeface="Arial"/>
+            </a:endParaRPr>
+          </a:p>
+          <a:p>
+            <a:pPr>
+              <a:lnSpc>
+                <a:spcPct val="100000"/>
+              </a:lnSpc>
+            </a:pPr>
+            <a:endParaRPr b="0" lang="es-MX" sz="1700" spc="-1" strike="noStrike">
+              <a:latin typeface="Arial"/>
+            </a:endParaRPr>
+          </a:p>
+          <a:p>
+            <a:pPr>
+              <a:lnSpc>
+                <a:spcPct val="100000"/>
+              </a:lnSpc>
+            </a:pPr>
             <a:r>
               <a:rPr b="0" lang="es-MX" sz="1700" spc="-1" strike="noStrike">
                 <a:solidFill>
@@ -28663,8 +28671,18 @@
                 <a:latin typeface="Arial"/>
                 <a:ea typeface="DejaVu Sans"/>
               </a:rPr>
-              <a:t>entonces almacenada automáticamente en el archivo compilado, dándole al apuntador una ubicación de memoria a la cual apuntar. </a:t>
-            </a:r>
+              <a:t>char *ptr = “Hi”;</a:t>
+            </a:r>
+            <a:endParaRPr b="0" lang="es-MX" sz="1700" spc="-1" strike="noStrike">
+              <a:latin typeface="Arial"/>
+            </a:endParaRPr>
+          </a:p>
+          <a:p>
+            <a:pPr>
+              <a:lnSpc>
+                <a:spcPct val="100000"/>
+              </a:lnSpc>
+            </a:pPr>
             <a:r>
               <a:rPr b="0" lang="es-MX" sz="1700" spc="-1" strike="noStrike">
                 <a:solidFill>
@@ -28673,8 +28691,28 @@
                 <a:latin typeface="Arial"/>
                 <a:ea typeface="DejaVu Sans"/>
               </a:rPr>
-              <a:t>En la mayoría de los compiladores esta ubicación es un bloque de solo lectura, así que, a diferencia de los arreglos de caracteres, los </a:t>
-            </a:r>
+              <a:t>printf(“%s”,ptr);   /* “Hi” */</a:t>
+            </a:r>
+            <a:endParaRPr b="0" lang="es-MX" sz="1700" spc="-1" strike="noStrike">
+              <a:latin typeface="Arial"/>
+            </a:endParaRPr>
+          </a:p>
+          <a:p>
+            <a:pPr>
+              <a:lnSpc>
+                <a:spcPct val="100000"/>
+              </a:lnSpc>
+            </a:pPr>
+            <a:endParaRPr b="0" lang="es-MX" sz="1700" spc="-1" strike="noStrike">
+              <a:latin typeface="Arial"/>
+            </a:endParaRPr>
+          </a:p>
+          <a:p>
+            <a:pPr>
+              <a:lnSpc>
+                <a:spcPct val="100000"/>
+              </a:lnSpc>
+            </a:pPr>
             <a:r>
               <a:rPr b="0" lang="es-MX" sz="1700" spc="-1" strike="noStrike">
                 <a:solidFill>
@@ -28683,7 +28721,7 @@
                 <a:latin typeface="Arial"/>
                 <a:ea typeface="DejaVu Sans"/>
               </a:rPr>
-              <a:t>caracteres en esta cadena no se pueden cambiar.</a:t>
+              <a:t>Para un archivo de código fuente de ejemplo, puede revisarse el archivo Test_Cadenas.c en la url:</a:t>
             </a:r>
             <a:endParaRPr b="0" lang="es-MX" sz="1700" spc="-1" strike="noStrike">
               <a:latin typeface="Arial"/>
@@ -28695,6 +28733,16 @@
                 <a:spcPct val="100000"/>
               </a:lnSpc>
             </a:pPr>
+            <a:r>
+              <a:rPr b="0" lang="es-MX" sz="1700" spc="-1" strike="noStrike">
+                <a:solidFill>
+                  <a:srgbClr val="000000"/>
+                </a:solidFill>
+                <a:latin typeface="Arial"/>
+                <a:ea typeface="DejaVu Sans"/>
+              </a:rPr>
+              <a:t>https://github.com/programacionestructurada/2021-2/Proyecto05/04_Cadenas/</a:t>
+            </a:r>
             <a:endParaRPr b="0" lang="es-MX" sz="1700" spc="-1" strike="noStrike">
               <a:latin typeface="Arial"/>
             </a:endParaRPr>
@@ -28705,36 +28753,6 @@
                 <a:spcPct val="100000"/>
               </a:lnSpc>
             </a:pPr>
-            <a:r>
-              <a:rPr b="0" lang="es-MX" sz="1700" spc="-1" strike="noStrike">
-                <a:solidFill>
-                  <a:srgbClr val="000000"/>
-                </a:solidFill>
-                <a:latin typeface="Arial"/>
-                <a:ea typeface="DejaVu Sans"/>
-              </a:rPr>
-              <a:t>char *ptr = “Hi”;</a:t>
-            </a:r>
-            <a:endParaRPr b="0" lang="es-MX" sz="1700" spc="-1" strike="noStrike">
-              <a:latin typeface="Arial"/>
-            </a:endParaRPr>
-          </a:p>
-          <a:p>
-            <a:pPr>
-              <a:lnSpc>
-                <a:spcPct val="100000"/>
-              </a:lnSpc>
-            </a:pPr>
-            <a:r>
-              <a:rPr b="0" lang="es-MX" sz="1700" spc="-1" strike="noStrike">
-                <a:solidFill>
-                  <a:srgbClr val="000000"/>
-                </a:solidFill>
-                <a:latin typeface="Arial"/>
-                <a:ea typeface="DejaVu Sans"/>
-              </a:rPr>
-              <a:t>printf(“%s”,ptr);   /* “Hi” */</a:t>
-            </a:r>
             <a:endParaRPr b="0" lang="es-MX" sz="1700" spc="-1" strike="noStrike">
               <a:latin typeface="Arial"/>
             </a:endParaRPr>
@@ -28960,7 +28978,7 @@
         <p:spPr>
           <a:xfrm>
             <a:off x="540000" y="90000"/>
-            <a:ext cx="8997480" cy="987480"/>
+            <a:ext cx="8996760" cy="986760"/>
           </a:xfrm>
           <a:prstGeom prst="rect">
             <a:avLst/>
@@ -29011,7 +29029,7 @@
         <p:spPr>
           <a:xfrm>
             <a:off x="540000" y="1440000"/>
-            <a:ext cx="8997480" cy="3507480"/>
+            <a:ext cx="8996760" cy="3506760"/>
           </a:xfrm>
           <a:prstGeom prst="rect">
             <a:avLst/>
@@ -29029,7 +29047,7 @@
         </p:style>
         <p:txBody>
           <a:bodyPr lIns="0" rIns="0" tIns="0" bIns="0">
-            <a:normAutofit fontScale="88000"/>
+            <a:normAutofit fontScale="76000"/>
           </a:bodyPr>
           <a:p>
             <a:pPr>
@@ -29171,7 +29189,7 @@
                 <a:latin typeface="Source Sans Pro"/>
                 <a:ea typeface="DejaVu Sans"/>
               </a:rPr>
-              <a:t>[Olsson] Olsson, M. (2019). Modern C Quick Syntax Reference, Chapter 7, page 34.</a:t>
+              <a:t>[Olsson] Olsson, M. (2019). Modern C Quick Syntax Reference – A Pocket Guide to the Language, APIs, and Library. Apress.  Chapter 7, page 34.</a:t>
             </a:r>
             <a:endParaRPr b="0" lang="es-MX" sz="2400" spc="-1" strike="noStrike">
               <a:latin typeface="Arial"/>
@@ -29248,7 +29266,7 @@
         <p:spPr>
           <a:xfrm>
             <a:off x="502920" y="630720"/>
-            <a:ext cx="9069120" cy="4386240"/>
+            <a:ext cx="9068400" cy="4385520"/>
           </a:xfrm>
           <a:prstGeom prst="rect">
             <a:avLst/>
@@ -29312,7 +29330,7 @@
         <p:spPr>
           <a:xfrm>
             <a:off x="502920" y="90720"/>
-            <a:ext cx="9069120" cy="944280"/>
+            <a:ext cx="9068400" cy="943560"/>
           </a:xfrm>
           <a:prstGeom prst="rect">
             <a:avLst/>
@@ -29363,7 +29381,7 @@
         <p:spPr>
           <a:xfrm>
             <a:off x="502920" y="1440000"/>
-            <a:ext cx="9019440" cy="3495240"/>
+            <a:ext cx="9018720" cy="3494520"/>
           </a:xfrm>
           <a:prstGeom prst="rect">
             <a:avLst/>
@@ -29462,7 +29480,7 @@
             </a:endParaRPr>
           </a:p>
           <a:p>
-            <a:pPr marL="432000" indent="-321480">
+            <a:pPr marL="432000" indent="-320760">
               <a:lnSpc>
                 <a:spcPct val="100000"/>
               </a:lnSpc>
@@ -29585,7 +29603,7 @@
         <p:spPr>
           <a:xfrm>
             <a:off x="1734840" y="1260000"/>
-            <a:ext cx="6723000" cy="2008440"/>
+            <a:ext cx="6722280" cy="2007720"/>
           </a:xfrm>
           <a:prstGeom prst="rect">
             <a:avLst/>
@@ -29642,7 +29660,7 @@
         <p:spPr>
           <a:xfrm>
             <a:off x="502920" y="90720"/>
-            <a:ext cx="9069120" cy="944280"/>
+            <a:ext cx="9068400" cy="943560"/>
           </a:xfrm>
           <a:prstGeom prst="rect">
             <a:avLst/>
@@ -29693,7 +29711,7 @@
         <p:spPr>
           <a:xfrm>
             <a:off x="502920" y="1440000"/>
-            <a:ext cx="9019440" cy="3495240"/>
+            <a:ext cx="9018720" cy="3494520"/>
           </a:xfrm>
           <a:prstGeom prst="rect">
             <a:avLst/>
@@ -29719,7 +29737,7 @@
         <p:spPr>
           <a:xfrm>
             <a:off x="360000" y="1080000"/>
-            <a:ext cx="8818560" cy="4184280"/>
+            <a:ext cx="8817840" cy="4183560"/>
           </a:xfrm>
           <a:prstGeom prst="rect">
             <a:avLst/>
@@ -30090,7 +30108,7 @@
         <p:spPr>
           <a:xfrm>
             <a:off x="502920" y="90720"/>
-            <a:ext cx="9069120" cy="944280"/>
+            <a:ext cx="9068400" cy="943560"/>
           </a:xfrm>
           <a:prstGeom prst="rect">
             <a:avLst/>
@@ -30108,7 +30126,7 @@
         </p:style>
         <p:txBody>
           <a:bodyPr lIns="0" rIns="0" tIns="0" bIns="0" anchor="b">
-            <a:normAutofit fontScale="59000"/>
+            <a:normAutofit fontScale="57000"/>
           </a:bodyPr>
           <a:p>
             <a:pPr>
@@ -30171,7 +30189,7 @@
         <p:spPr>
           <a:xfrm>
             <a:off x="502920" y="1440000"/>
-            <a:ext cx="9019440" cy="3495240"/>
+            <a:ext cx="9018720" cy="3494520"/>
           </a:xfrm>
           <a:prstGeom prst="rect">
             <a:avLst/>
@@ -30197,7 +30215,7 @@
         <p:spPr>
           <a:xfrm>
             <a:off x="360000" y="1080000"/>
-            <a:ext cx="8818560" cy="4440240"/>
+            <a:ext cx="8817840" cy="4439520"/>
           </a:xfrm>
           <a:prstGeom prst="rect">
             <a:avLst/>
@@ -30486,7 +30504,7 @@
         <p:spPr>
           <a:xfrm>
             <a:off x="502920" y="90720"/>
-            <a:ext cx="9069120" cy="944280"/>
+            <a:ext cx="9068400" cy="943560"/>
           </a:xfrm>
           <a:prstGeom prst="rect">
             <a:avLst/>
@@ -30504,7 +30522,7 @@
         </p:style>
         <p:txBody>
           <a:bodyPr lIns="0" rIns="0" tIns="0" bIns="0" anchor="b">
-            <a:normAutofit fontScale="59000"/>
+            <a:normAutofit fontScale="57000"/>
           </a:bodyPr>
           <a:p>
             <a:pPr>
@@ -30567,7 +30585,7 @@
         <p:spPr>
           <a:xfrm>
             <a:off x="502920" y="1440000"/>
-            <a:ext cx="9019440" cy="3495240"/>
+            <a:ext cx="9018720" cy="3494520"/>
           </a:xfrm>
           <a:prstGeom prst="rect">
             <a:avLst/>
@@ -30593,7 +30611,7 @@
         <p:spPr>
           <a:xfrm>
             <a:off x="360000" y="1080000"/>
-            <a:ext cx="8818560" cy="2392560"/>
+            <a:ext cx="8817840" cy="2391840"/>
           </a:xfrm>
           <a:prstGeom prst="rect">
             <a:avLst/>
@@ -30892,7 +30910,7 @@
         <p:spPr>
           <a:xfrm>
             <a:off x="502920" y="90720"/>
-            <a:ext cx="9069120" cy="944280"/>
+            <a:ext cx="9068400" cy="943560"/>
           </a:xfrm>
           <a:prstGeom prst="rect">
             <a:avLst/>
@@ -30910,7 +30928,7 @@
         </p:style>
         <p:txBody>
           <a:bodyPr lIns="0" rIns="0" tIns="0" bIns="0" anchor="b">
-            <a:normAutofit fontScale="59000"/>
+            <a:normAutofit fontScale="57000"/>
           </a:bodyPr>
           <a:p>
             <a:pPr>
@@ -30973,7 +30991,7 @@
         <p:spPr>
           <a:xfrm>
             <a:off x="502920" y="1440000"/>
-            <a:ext cx="9019440" cy="3495240"/>
+            <a:ext cx="9018720" cy="3494520"/>
           </a:xfrm>
           <a:prstGeom prst="rect">
             <a:avLst/>
@@ -30999,7 +31017,7 @@
         <p:spPr>
           <a:xfrm>
             <a:off x="360000" y="1080000"/>
-            <a:ext cx="8818560" cy="2392560"/>
+            <a:ext cx="8817840" cy="2391840"/>
           </a:xfrm>
           <a:prstGeom prst="rect">
             <a:avLst/>
@@ -31308,7 +31326,7 @@
         <p:spPr>
           <a:xfrm>
             <a:off x="502920" y="90720"/>
-            <a:ext cx="9069120" cy="944280"/>
+            <a:ext cx="9068400" cy="943560"/>
           </a:xfrm>
           <a:prstGeom prst="rect">
             <a:avLst/>
@@ -31326,7 +31344,7 @@
         </p:style>
         <p:txBody>
           <a:bodyPr lIns="0" rIns="0" tIns="0" bIns="0" anchor="b">
-            <a:normAutofit fontScale="59000"/>
+            <a:normAutofit fontScale="57000"/>
           </a:bodyPr>
           <a:p>
             <a:pPr>
@@ -31389,7 +31407,7 @@
         <p:spPr>
           <a:xfrm>
             <a:off x="502920" y="1440000"/>
-            <a:ext cx="9019440" cy="3495240"/>
+            <a:ext cx="9018720" cy="3494520"/>
           </a:xfrm>
           <a:prstGeom prst="rect">
             <a:avLst/>
@@ -31415,7 +31433,7 @@
         <p:spPr>
           <a:xfrm>
             <a:off x="360000" y="1080000"/>
-            <a:ext cx="8818560" cy="2392560"/>
+            <a:ext cx="8817840" cy="2391840"/>
           </a:xfrm>
           <a:prstGeom prst="rect">
             <a:avLst/>

--- a/U4_Manejo_de_Apuntadores_y_Estructuras/U4_Manejo_de_Apuntadores_y _Estructuras__4_1_Apuntadores_y_variables.pptx
+++ b/U4_Manejo_de_Apuntadores_y_Estructuras/U4_Manejo_de_Apuntadores_y _Estructuras__4_1_Apuntadores_y_variables.pptx
@@ -12282,7 +12282,7 @@
         <p:spPr>
           <a:xfrm>
             <a:off x="0" y="3780000"/>
-            <a:ext cx="10076760" cy="1886760"/>
+            <a:ext cx="10076400" cy="1886400"/>
           </a:xfrm>
           <a:prstGeom prst="rect">
             <a:avLst/>
@@ -12340,7 +12340,13 @@
               <a:rPr b="0" lang="es-MX" sz="4400" spc="-1" strike="noStrike">
                 <a:latin typeface="Arial"/>
               </a:rPr>
-              <a:t>Pulse para editar el formato del texto de título</a:t>
+              <a:t>Pulse para editar el formato del </a:t>
+            </a:r>
+            <a:r>
+              <a:rPr b="0" lang="es-MX" sz="4400" spc="-1" strike="noStrike">
+                <a:latin typeface="Arial"/>
+              </a:rPr>
+              <a:t>texto de título</a:t>
             </a:r>
             <a:endParaRPr b="0" lang="es-MX" sz="4400" spc="-1" strike="noStrike">
               <a:latin typeface="Arial"/>
@@ -12581,7 +12587,7 @@
         <p:spPr>
           <a:xfrm flipV="1">
             <a:off x="0" y="-3600"/>
-            <a:ext cx="10076760" cy="1076760"/>
+            <a:ext cx="10076400" cy="1076400"/>
           </a:xfrm>
           <a:prstGeom prst="rect">
             <a:avLst/>
@@ -12880,7 +12886,7 @@
         <p:spPr>
           <a:xfrm flipV="1">
             <a:off x="0" y="-3600"/>
-            <a:ext cx="10076760" cy="1076760"/>
+            <a:ext cx="10076400" cy="1076400"/>
           </a:xfrm>
           <a:prstGeom prst="rect">
             <a:avLst/>
@@ -13179,7 +13185,7 @@
         <p:spPr>
           <a:xfrm flipV="1">
             <a:off x="0" y="-3600"/>
-            <a:ext cx="10076760" cy="1076760"/>
+            <a:ext cx="10076400" cy="1076400"/>
           </a:xfrm>
           <a:prstGeom prst="rect">
             <a:avLst/>
@@ -13478,7 +13484,7 @@
         <p:spPr>
           <a:xfrm flipV="1">
             <a:off x="0" y="-3600"/>
-            <a:ext cx="10076760" cy="1076760"/>
+            <a:ext cx="10076400" cy="1076400"/>
           </a:xfrm>
           <a:prstGeom prst="rect">
             <a:avLst/>
@@ -13777,7 +13783,7 @@
         <p:spPr>
           <a:xfrm flipV="1">
             <a:off x="0" y="-3600"/>
-            <a:ext cx="10076760" cy="1076760"/>
+            <a:ext cx="10076400" cy="1076400"/>
           </a:xfrm>
           <a:prstGeom prst="rect">
             <a:avLst/>
@@ -14076,7 +14082,7 @@
         <p:spPr>
           <a:xfrm flipV="1">
             <a:off x="0" y="-3600"/>
-            <a:ext cx="10076760" cy="1076760"/>
+            <a:ext cx="10076400" cy="1076400"/>
           </a:xfrm>
           <a:prstGeom prst="rect">
             <a:avLst/>
@@ -14375,7 +14381,7 @@
         <p:spPr>
           <a:xfrm flipV="1">
             <a:off x="0" y="-3600"/>
-            <a:ext cx="10076760" cy="1076760"/>
+            <a:ext cx="10076400" cy="1076400"/>
           </a:xfrm>
           <a:prstGeom prst="rect">
             <a:avLst/>
@@ -14666,7 +14672,7 @@
         <p:spPr>
           <a:xfrm flipV="1">
             <a:off x="0" y="-3600"/>
-            <a:ext cx="10076760" cy="176760"/>
+            <a:ext cx="10076400" cy="176400"/>
           </a:xfrm>
           <a:prstGeom prst="rect">
             <a:avLst/>
@@ -14704,7 +14710,7 @@
         <p:spPr>
           <a:xfrm>
             <a:off x="0" y="5580000"/>
-            <a:ext cx="10076760" cy="86760"/>
+            <a:ext cx="10076400" cy="86400"/>
           </a:xfrm>
           <a:prstGeom prst="rect">
             <a:avLst/>
@@ -15003,7 +15009,7 @@
         <p:spPr>
           <a:xfrm>
             <a:off x="450000" y="270000"/>
-            <a:ext cx="8996760" cy="3236760"/>
+            <a:ext cx="8996400" cy="3236400"/>
           </a:xfrm>
           <a:prstGeom prst="rect">
             <a:avLst/>
@@ -15054,7 +15060,7 @@
         <p:spPr>
           <a:xfrm>
             <a:off x="450000" y="3870000"/>
-            <a:ext cx="8996760" cy="1166760"/>
+            <a:ext cx="8996400" cy="1166400"/>
           </a:xfrm>
           <a:prstGeom prst="rect">
             <a:avLst/>
@@ -15143,7 +15149,7 @@
         <p:spPr>
           <a:xfrm>
             <a:off x="502920" y="90720"/>
-            <a:ext cx="9068400" cy="943560"/>
+            <a:ext cx="9068040" cy="943200"/>
           </a:xfrm>
           <a:prstGeom prst="rect">
             <a:avLst/>
@@ -15224,7 +15230,7 @@
         <p:spPr>
           <a:xfrm>
             <a:off x="502920" y="1440000"/>
-            <a:ext cx="9018720" cy="3494520"/>
+            <a:ext cx="9018360" cy="3494160"/>
           </a:xfrm>
           <a:prstGeom prst="rect">
             <a:avLst/>
@@ -15250,7 +15256,7 @@
         <p:spPr>
           <a:xfrm>
             <a:off x="360000" y="1080000"/>
-            <a:ext cx="8817840" cy="2391840"/>
+            <a:ext cx="8817480" cy="2391480"/>
           </a:xfrm>
           <a:prstGeom prst="rect">
             <a:avLst/>
@@ -15539,7 +15545,7 @@
         <p:spPr>
           <a:xfrm>
             <a:off x="502920" y="90720"/>
-            <a:ext cx="9068400" cy="943560"/>
+            <a:ext cx="9068040" cy="943200"/>
           </a:xfrm>
           <a:prstGeom prst="rect">
             <a:avLst/>
@@ -15620,7 +15626,7 @@
         <p:spPr>
           <a:xfrm>
             <a:off x="502920" y="1440000"/>
-            <a:ext cx="9018720" cy="3494520"/>
+            <a:ext cx="9018360" cy="3494160"/>
           </a:xfrm>
           <a:prstGeom prst="rect">
             <a:avLst/>
@@ -15646,7 +15652,7 @@
         <p:spPr>
           <a:xfrm>
             <a:off x="360000" y="1080000"/>
-            <a:ext cx="8817840" cy="2391840"/>
+            <a:ext cx="8817480" cy="2391480"/>
           </a:xfrm>
           <a:prstGeom prst="rect">
             <a:avLst/>
@@ -16015,7 +16021,7 @@
         <p:spPr>
           <a:xfrm>
             <a:off x="502920" y="90720"/>
-            <a:ext cx="9068400" cy="943560"/>
+            <a:ext cx="9068040" cy="943200"/>
           </a:xfrm>
           <a:prstGeom prst="rect">
             <a:avLst/>
@@ -16096,7 +16102,7 @@
         <p:spPr>
           <a:xfrm>
             <a:off x="502920" y="1440000"/>
-            <a:ext cx="9018720" cy="3494520"/>
+            <a:ext cx="9018360" cy="3494160"/>
           </a:xfrm>
           <a:prstGeom prst="rect">
             <a:avLst/>
@@ -16122,7 +16128,7 @@
         <p:spPr>
           <a:xfrm>
             <a:off x="360000" y="1080000"/>
-            <a:ext cx="8817840" cy="2391840"/>
+            <a:ext cx="8817480" cy="2391480"/>
           </a:xfrm>
           <a:prstGeom prst="rect">
             <a:avLst/>
@@ -16481,7 +16487,7 @@
         <p:spPr>
           <a:xfrm>
             <a:off x="502920" y="90720"/>
-            <a:ext cx="9068400" cy="943560"/>
+            <a:ext cx="9068040" cy="943200"/>
           </a:xfrm>
           <a:prstGeom prst="rect">
             <a:avLst/>
@@ -16562,7 +16568,7 @@
         <p:spPr>
           <a:xfrm>
             <a:off x="502920" y="1440000"/>
-            <a:ext cx="9018720" cy="3494520"/>
+            <a:ext cx="9018360" cy="3494160"/>
           </a:xfrm>
           <a:prstGeom prst="rect">
             <a:avLst/>
@@ -16588,7 +16594,7 @@
         <p:spPr>
           <a:xfrm>
             <a:off x="360000" y="1080000"/>
-            <a:ext cx="8817840" cy="2391840"/>
+            <a:ext cx="8817480" cy="2391480"/>
           </a:xfrm>
           <a:prstGeom prst="rect">
             <a:avLst/>
@@ -16957,7 +16963,7 @@
         <p:spPr>
           <a:xfrm>
             <a:off x="502920" y="90720"/>
-            <a:ext cx="9068400" cy="943560"/>
+            <a:ext cx="9068040" cy="943200"/>
           </a:xfrm>
           <a:prstGeom prst="rect">
             <a:avLst/>
@@ -17038,7 +17044,7 @@
         <p:spPr>
           <a:xfrm>
             <a:off x="502920" y="1440000"/>
-            <a:ext cx="9018720" cy="3494520"/>
+            <a:ext cx="9018360" cy="3494160"/>
           </a:xfrm>
           <a:prstGeom prst="rect">
             <a:avLst/>
@@ -17064,7 +17070,7 @@
         <p:spPr>
           <a:xfrm>
             <a:off x="360000" y="1080000"/>
-            <a:ext cx="8817840" cy="2391840"/>
+            <a:ext cx="8817480" cy="2391480"/>
           </a:xfrm>
           <a:prstGeom prst="rect">
             <a:avLst/>
@@ -17473,7 +17479,7 @@
         <p:spPr>
           <a:xfrm>
             <a:off x="502920" y="90720"/>
-            <a:ext cx="9068400" cy="943560"/>
+            <a:ext cx="9068040" cy="943200"/>
           </a:xfrm>
           <a:prstGeom prst="rect">
             <a:avLst/>
@@ -17554,7 +17560,7 @@
         <p:spPr>
           <a:xfrm>
             <a:off x="502920" y="1440000"/>
-            <a:ext cx="9018720" cy="3494520"/>
+            <a:ext cx="9018360" cy="3494160"/>
           </a:xfrm>
           <a:prstGeom prst="rect">
             <a:avLst/>
@@ -17580,7 +17586,7 @@
         <p:spPr>
           <a:xfrm>
             <a:off x="360000" y="1080000"/>
-            <a:ext cx="8817840" cy="2391840"/>
+            <a:ext cx="8817480" cy="2391480"/>
           </a:xfrm>
           <a:prstGeom prst="rect">
             <a:avLst/>
@@ -18049,7 +18055,7 @@
         <p:spPr>
           <a:xfrm>
             <a:off x="502920" y="90720"/>
-            <a:ext cx="9068400" cy="943560"/>
+            <a:ext cx="9068040" cy="943200"/>
           </a:xfrm>
           <a:prstGeom prst="rect">
             <a:avLst/>
@@ -18130,7 +18136,7 @@
         <p:spPr>
           <a:xfrm>
             <a:off x="502920" y="1440000"/>
-            <a:ext cx="9018720" cy="3494520"/>
+            <a:ext cx="9018360" cy="3494160"/>
           </a:xfrm>
           <a:prstGeom prst="rect">
             <a:avLst/>
@@ -18156,7 +18162,7 @@
         <p:spPr>
           <a:xfrm>
             <a:off x="360000" y="1080000"/>
-            <a:ext cx="8817840" cy="2391840"/>
+            <a:ext cx="8817480" cy="2391480"/>
           </a:xfrm>
           <a:prstGeom prst="rect">
             <a:avLst/>
@@ -18655,7 +18661,7 @@
         <p:spPr>
           <a:xfrm>
             <a:off x="502920" y="90720"/>
-            <a:ext cx="9068400" cy="943560"/>
+            <a:ext cx="9068040" cy="943200"/>
           </a:xfrm>
           <a:prstGeom prst="rect">
             <a:avLst/>
@@ -18736,7 +18742,7 @@
         <p:spPr>
           <a:xfrm>
             <a:off x="502920" y="1440000"/>
-            <a:ext cx="9018720" cy="3494520"/>
+            <a:ext cx="9018360" cy="3494160"/>
           </a:xfrm>
           <a:prstGeom prst="rect">
             <a:avLst/>
@@ -18762,7 +18768,7 @@
         <p:spPr>
           <a:xfrm>
             <a:off x="360000" y="1080000"/>
-            <a:ext cx="8817840" cy="2391840"/>
+            <a:ext cx="8817480" cy="2391480"/>
           </a:xfrm>
           <a:prstGeom prst="rect">
             <a:avLst/>
@@ -19291,7 +19297,7 @@
         <p:spPr>
           <a:xfrm>
             <a:off x="502920" y="90720"/>
-            <a:ext cx="9068400" cy="943560"/>
+            <a:ext cx="9068040" cy="943200"/>
           </a:xfrm>
           <a:prstGeom prst="rect">
             <a:avLst/>
@@ -19372,7 +19378,7 @@
         <p:spPr>
           <a:xfrm>
             <a:off x="502920" y="1440000"/>
-            <a:ext cx="9018720" cy="3494520"/>
+            <a:ext cx="9018360" cy="3494160"/>
           </a:xfrm>
           <a:prstGeom prst="rect">
             <a:avLst/>
@@ -19398,7 +19404,7 @@
         <p:spPr>
           <a:xfrm>
             <a:off x="360000" y="1080000"/>
-            <a:ext cx="8817840" cy="2391840"/>
+            <a:ext cx="8817480" cy="2391480"/>
           </a:xfrm>
           <a:prstGeom prst="rect">
             <a:avLst/>
@@ -19857,7 +19863,7 @@
         <p:spPr>
           <a:xfrm>
             <a:off x="502920" y="90720"/>
-            <a:ext cx="9068400" cy="943560"/>
+            <a:ext cx="9068040" cy="943200"/>
           </a:xfrm>
           <a:prstGeom prst="rect">
             <a:avLst/>
@@ -19938,7 +19944,7 @@
         <p:spPr>
           <a:xfrm>
             <a:off x="502920" y="1440000"/>
-            <a:ext cx="9018720" cy="3494520"/>
+            <a:ext cx="9018360" cy="3494160"/>
           </a:xfrm>
           <a:prstGeom prst="rect">
             <a:avLst/>
@@ -19964,7 +19970,7 @@
         <p:spPr>
           <a:xfrm>
             <a:off x="360000" y="1080000"/>
-            <a:ext cx="8817840" cy="2391840"/>
+            <a:ext cx="8817480" cy="2391480"/>
           </a:xfrm>
           <a:prstGeom prst="rect">
             <a:avLst/>
@@ -20393,7 +20399,7 @@
         <p:spPr>
           <a:xfrm>
             <a:off x="502920" y="90720"/>
-            <a:ext cx="9068400" cy="943560"/>
+            <a:ext cx="9068040" cy="943200"/>
           </a:xfrm>
           <a:prstGeom prst="rect">
             <a:avLst/>
@@ -20444,7 +20450,7 @@
         <p:spPr>
           <a:xfrm>
             <a:off x="502920" y="1440000"/>
-            <a:ext cx="9018720" cy="3494520"/>
+            <a:ext cx="9018360" cy="3494160"/>
           </a:xfrm>
           <a:prstGeom prst="rect">
             <a:avLst/>
@@ -20465,7 +20471,7 @@
             <a:normAutofit fontScale="56000"/>
           </a:bodyPr>
           <a:p>
-            <a:pPr marL="432000" indent="-320760">
+            <a:pPr marL="432000" indent="-320400">
               <a:lnSpc>
                 <a:spcPct val="100000"/>
               </a:lnSpc>
@@ -20494,7 +20500,7 @@
             </a:endParaRPr>
           </a:p>
           <a:p>
-            <a:pPr marL="432000" indent="-320760">
+            <a:pPr marL="432000" indent="-320400">
               <a:lnSpc>
                 <a:spcPct val="100000"/>
               </a:lnSpc>
@@ -20523,7 +20529,7 @@
             </a:endParaRPr>
           </a:p>
           <a:p>
-            <a:pPr marL="432000" indent="-320760">
+            <a:pPr marL="432000" indent="-320400">
               <a:lnSpc>
                 <a:spcPct val="100000"/>
               </a:lnSpc>
@@ -20552,7 +20558,7 @@
             </a:endParaRPr>
           </a:p>
           <a:p>
-            <a:pPr marL="432000" indent="-320760">
+            <a:pPr marL="432000" indent="-320400">
               <a:lnSpc>
                 <a:spcPct val="100000"/>
               </a:lnSpc>
@@ -20581,7 +20587,7 @@
             </a:endParaRPr>
           </a:p>
           <a:p>
-            <a:pPr marL="432000" indent="-320760">
+            <a:pPr marL="432000" indent="-320400">
               <a:lnSpc>
                 <a:spcPct val="100000"/>
               </a:lnSpc>
@@ -20610,7 +20616,7 @@
             </a:endParaRPr>
           </a:p>
           <a:p>
-            <a:pPr marL="432000" indent="-320760">
+            <a:pPr marL="432000" indent="-320400">
               <a:lnSpc>
                 <a:spcPct val="100000"/>
               </a:lnSpc>
@@ -20639,7 +20645,7 @@
             </a:endParaRPr>
           </a:p>
           <a:p>
-            <a:pPr marL="432000" indent="-320760">
+            <a:pPr marL="432000" indent="-320400">
               <a:lnSpc>
                 <a:spcPct val="100000"/>
               </a:lnSpc>
@@ -20668,7 +20674,7 @@
             </a:endParaRPr>
           </a:p>
           <a:p>
-            <a:pPr marL="432000" indent="-320760">
+            <a:pPr marL="432000" indent="-320400">
               <a:lnSpc>
                 <a:spcPct val="100000"/>
               </a:lnSpc>
@@ -20697,7 +20703,7 @@
             </a:endParaRPr>
           </a:p>
           <a:p>
-            <a:pPr marL="432000" indent="-320760">
+            <a:pPr marL="432000" indent="-320400">
               <a:lnSpc>
                 <a:spcPct val="100000"/>
               </a:lnSpc>
@@ -20774,7 +20780,7 @@
         <p:spPr>
           <a:xfrm>
             <a:off x="502920" y="90720"/>
-            <a:ext cx="9068400" cy="943560"/>
+            <a:ext cx="9068040" cy="943200"/>
           </a:xfrm>
           <a:prstGeom prst="rect">
             <a:avLst/>
@@ -20855,7 +20861,7 @@
         <p:spPr>
           <a:xfrm>
             <a:off x="502920" y="1440000"/>
-            <a:ext cx="9018720" cy="3494520"/>
+            <a:ext cx="9018360" cy="3494160"/>
           </a:xfrm>
           <a:prstGeom prst="rect">
             <a:avLst/>
@@ -20881,7 +20887,7 @@
         <p:spPr>
           <a:xfrm>
             <a:off x="360000" y="1080000"/>
-            <a:ext cx="8817840" cy="2391840"/>
+            <a:ext cx="8817480" cy="2391480"/>
           </a:xfrm>
           <a:prstGeom prst="rect">
             <a:avLst/>
@@ -21430,7 +21436,7 @@
         <p:spPr>
           <a:xfrm>
             <a:off x="502920" y="90720"/>
-            <a:ext cx="9068400" cy="943560"/>
+            <a:ext cx="9068040" cy="943200"/>
           </a:xfrm>
           <a:prstGeom prst="rect">
             <a:avLst/>
@@ -21511,7 +21517,7 @@
         <p:spPr>
           <a:xfrm>
             <a:off x="502920" y="1440000"/>
-            <a:ext cx="9018720" cy="3494520"/>
+            <a:ext cx="9018360" cy="3494160"/>
           </a:xfrm>
           <a:prstGeom prst="rect">
             <a:avLst/>
@@ -21537,7 +21543,7 @@
         <p:spPr>
           <a:xfrm>
             <a:off x="360000" y="1080000"/>
-            <a:ext cx="8817840" cy="2391840"/>
+            <a:ext cx="8817480" cy="2391480"/>
           </a:xfrm>
           <a:prstGeom prst="rect">
             <a:avLst/>
@@ -22076,7 +22082,7 @@
         <p:spPr>
           <a:xfrm>
             <a:off x="502920" y="90720"/>
-            <a:ext cx="9068400" cy="943560"/>
+            <a:ext cx="9068040" cy="943200"/>
           </a:xfrm>
           <a:prstGeom prst="rect">
             <a:avLst/>
@@ -22157,7 +22163,7 @@
         <p:spPr>
           <a:xfrm>
             <a:off x="502920" y="1440000"/>
-            <a:ext cx="9018720" cy="3494520"/>
+            <a:ext cx="9018360" cy="3494160"/>
           </a:xfrm>
           <a:prstGeom prst="rect">
             <a:avLst/>
@@ -22183,7 +22189,7 @@
         <p:spPr>
           <a:xfrm>
             <a:off x="360000" y="1080000"/>
-            <a:ext cx="8817840" cy="2391840"/>
+            <a:ext cx="8817480" cy="2391480"/>
           </a:xfrm>
           <a:prstGeom prst="rect">
             <a:avLst/>
@@ -22702,7 +22708,7 @@
         <p:spPr>
           <a:xfrm>
             <a:off x="502920" y="90720"/>
-            <a:ext cx="9068400" cy="943560"/>
+            <a:ext cx="9068040" cy="943200"/>
           </a:xfrm>
           <a:prstGeom prst="rect">
             <a:avLst/>
@@ -22783,7 +22789,7 @@
         <p:spPr>
           <a:xfrm>
             <a:off x="502920" y="1440000"/>
-            <a:ext cx="9018720" cy="3494520"/>
+            <a:ext cx="9018360" cy="3494160"/>
           </a:xfrm>
           <a:prstGeom prst="rect">
             <a:avLst/>
@@ -22809,7 +22815,7 @@
         <p:spPr>
           <a:xfrm>
             <a:off x="360000" y="1080000"/>
-            <a:ext cx="8817840" cy="2391840"/>
+            <a:ext cx="8817480" cy="2391480"/>
           </a:xfrm>
           <a:prstGeom prst="rect">
             <a:avLst/>
@@ -23298,7 +23304,7 @@
         <p:spPr>
           <a:xfrm>
             <a:off x="502920" y="90720"/>
-            <a:ext cx="9068400" cy="943560"/>
+            <a:ext cx="9068040" cy="943200"/>
           </a:xfrm>
           <a:prstGeom prst="rect">
             <a:avLst/>
@@ -23379,7 +23385,7 @@
         <p:spPr>
           <a:xfrm>
             <a:off x="502920" y="1440000"/>
-            <a:ext cx="9018720" cy="3494520"/>
+            <a:ext cx="9018360" cy="3494160"/>
           </a:xfrm>
           <a:prstGeom prst="rect">
             <a:avLst/>
@@ -23405,7 +23411,7 @@
         <p:spPr>
           <a:xfrm>
             <a:off x="360000" y="1080000"/>
-            <a:ext cx="8817840" cy="2391840"/>
+            <a:ext cx="8817480" cy="2391480"/>
           </a:xfrm>
           <a:prstGeom prst="rect">
             <a:avLst/>
@@ -23954,7 +23960,7 @@
         <p:spPr>
           <a:xfrm>
             <a:off x="502920" y="90720"/>
-            <a:ext cx="9068400" cy="943560"/>
+            <a:ext cx="9068040" cy="943200"/>
           </a:xfrm>
           <a:prstGeom prst="rect">
             <a:avLst/>
@@ -24035,7 +24041,7 @@
         <p:spPr>
           <a:xfrm>
             <a:off x="502920" y="1440000"/>
-            <a:ext cx="9018720" cy="3494520"/>
+            <a:ext cx="9018360" cy="3494160"/>
           </a:xfrm>
           <a:prstGeom prst="rect">
             <a:avLst/>
@@ -24061,7 +24067,7 @@
         <p:spPr>
           <a:xfrm>
             <a:off x="360000" y="1080000"/>
-            <a:ext cx="8817840" cy="2391840"/>
+            <a:ext cx="8817480" cy="2391480"/>
           </a:xfrm>
           <a:prstGeom prst="rect">
             <a:avLst/>
@@ -24720,7 +24726,7 @@
         <p:spPr>
           <a:xfrm>
             <a:off x="502920" y="90720"/>
-            <a:ext cx="9068400" cy="943560"/>
+            <a:ext cx="9068040" cy="943200"/>
           </a:xfrm>
           <a:prstGeom prst="rect">
             <a:avLst/>
@@ -24801,7 +24807,7 @@
         <p:spPr>
           <a:xfrm>
             <a:off x="502920" y="1440000"/>
-            <a:ext cx="9018720" cy="3494520"/>
+            <a:ext cx="9018360" cy="3494160"/>
           </a:xfrm>
           <a:prstGeom prst="rect">
             <a:avLst/>
@@ -24827,7 +24833,7 @@
         <p:spPr>
           <a:xfrm>
             <a:off x="360000" y="1080000"/>
-            <a:ext cx="8817840" cy="2391840"/>
+            <a:ext cx="8817480" cy="2391480"/>
           </a:xfrm>
           <a:prstGeom prst="rect">
             <a:avLst/>
@@ -25486,7 +25492,7 @@
         <p:spPr>
           <a:xfrm>
             <a:off x="502920" y="90720"/>
-            <a:ext cx="9068400" cy="943560"/>
+            <a:ext cx="9068040" cy="943200"/>
           </a:xfrm>
           <a:prstGeom prst="rect">
             <a:avLst/>
@@ -25567,7 +25573,7 @@
         <p:spPr>
           <a:xfrm>
             <a:off x="502920" y="1440000"/>
-            <a:ext cx="9018720" cy="3494520"/>
+            <a:ext cx="9018360" cy="3494160"/>
           </a:xfrm>
           <a:prstGeom prst="rect">
             <a:avLst/>
@@ -25593,7 +25599,7 @@
         <p:spPr>
           <a:xfrm>
             <a:off x="360000" y="1080000"/>
-            <a:ext cx="8817840" cy="2391840"/>
+            <a:ext cx="8817480" cy="2391480"/>
           </a:xfrm>
           <a:prstGeom prst="rect">
             <a:avLst/>
@@ -26152,7 +26158,7 @@
         <p:spPr>
           <a:xfrm>
             <a:off x="502920" y="90720"/>
-            <a:ext cx="9068400" cy="943560"/>
+            <a:ext cx="9068040" cy="943200"/>
           </a:xfrm>
           <a:prstGeom prst="rect">
             <a:avLst/>
@@ -26233,7 +26239,7 @@
         <p:spPr>
           <a:xfrm>
             <a:off x="502920" y="1440000"/>
-            <a:ext cx="9018720" cy="3494520"/>
+            <a:ext cx="9018360" cy="3494160"/>
           </a:xfrm>
           <a:prstGeom prst="rect">
             <a:avLst/>
@@ -26259,7 +26265,7 @@
         <p:spPr>
           <a:xfrm>
             <a:off x="360000" y="1080000"/>
-            <a:ext cx="8817840" cy="2391840"/>
+            <a:ext cx="8817480" cy="2391480"/>
           </a:xfrm>
           <a:prstGeom prst="rect">
             <a:avLst/>
@@ -26948,7 +26954,7 @@
         <p:spPr>
           <a:xfrm>
             <a:off x="502920" y="90720"/>
-            <a:ext cx="9068400" cy="943560"/>
+            <a:ext cx="9068040" cy="943200"/>
           </a:xfrm>
           <a:prstGeom prst="rect">
             <a:avLst/>
@@ -27029,7 +27035,7 @@
         <p:spPr>
           <a:xfrm>
             <a:off x="502920" y="1440000"/>
-            <a:ext cx="9018720" cy="3494520"/>
+            <a:ext cx="9018360" cy="3494160"/>
           </a:xfrm>
           <a:prstGeom prst="rect">
             <a:avLst/>
@@ -27055,7 +27061,7 @@
         <p:spPr>
           <a:xfrm>
             <a:off x="360000" y="1080000"/>
-            <a:ext cx="8817840" cy="2391840"/>
+            <a:ext cx="8817480" cy="2391480"/>
           </a:xfrm>
           <a:prstGeom prst="rect">
             <a:avLst/>
@@ -27744,7 +27750,7 @@
         <p:spPr>
           <a:xfrm>
             <a:off x="502920" y="90720"/>
-            <a:ext cx="9068400" cy="943560"/>
+            <a:ext cx="9068040" cy="943200"/>
           </a:xfrm>
           <a:prstGeom prst="rect">
             <a:avLst/>
@@ -27795,7 +27801,7 @@
         <p:spPr>
           <a:xfrm>
             <a:off x="502920" y="1440000"/>
-            <a:ext cx="9018720" cy="3494520"/>
+            <a:ext cx="9018360" cy="3494160"/>
           </a:xfrm>
           <a:prstGeom prst="rect">
             <a:avLst/>
@@ -27816,7 +27822,7 @@
             <a:normAutofit/>
           </a:bodyPr>
           <a:p>
-            <a:pPr marL="432000" indent="-320760">
+            <a:pPr marL="432000" indent="-320400">
               <a:lnSpc>
                 <a:spcPct val="100000"/>
               </a:lnSpc>
@@ -27845,7 +27851,7 @@
             </a:endParaRPr>
           </a:p>
           <a:p>
-            <a:pPr marL="432000" indent="-320760">
+            <a:pPr marL="432000" indent="-320400">
               <a:lnSpc>
                 <a:spcPct val="100000"/>
               </a:lnSpc>
@@ -27884,7 +27890,7 @@
             </a:endParaRPr>
           </a:p>
           <a:p>
-            <a:pPr marL="432000" indent="-320760">
+            <a:pPr marL="432000" indent="-320400">
               <a:lnSpc>
                 <a:spcPct val="100000"/>
               </a:lnSpc>
@@ -27937,7 +27943,7 @@
         <p:spPr>
           <a:xfrm>
             <a:off x="1715760" y="3240000"/>
-            <a:ext cx="6722280" cy="2007720"/>
+            <a:ext cx="6721920" cy="2007360"/>
           </a:xfrm>
           <a:prstGeom prst="rect">
             <a:avLst/>
@@ -27994,7 +28000,7 @@
         <p:spPr>
           <a:xfrm>
             <a:off x="502920" y="90720"/>
-            <a:ext cx="9068400" cy="943560"/>
+            <a:ext cx="9068040" cy="943200"/>
           </a:xfrm>
           <a:prstGeom prst="rect">
             <a:avLst/>
@@ -28045,7 +28051,7 @@
         <p:spPr>
           <a:xfrm>
             <a:off x="502920" y="1440000"/>
-            <a:ext cx="9018720" cy="3494520"/>
+            <a:ext cx="9018360" cy="3494160"/>
           </a:xfrm>
           <a:prstGeom prst="rect">
             <a:avLst/>
@@ -28071,7 +28077,7 @@
         <p:spPr>
           <a:xfrm>
             <a:off x="360000" y="1080000"/>
-            <a:ext cx="8817840" cy="2391840"/>
+            <a:ext cx="8817480" cy="2391480"/>
           </a:xfrm>
           <a:prstGeom prst="rect">
             <a:avLst/>
@@ -28530,7 +28536,7 @@
         <p:spPr>
           <a:xfrm>
             <a:off x="502920" y="90720"/>
-            <a:ext cx="9068400" cy="943560"/>
+            <a:ext cx="9068040" cy="943200"/>
           </a:xfrm>
           <a:prstGeom prst="rect">
             <a:avLst/>
@@ -28581,7 +28587,7 @@
         <p:spPr>
           <a:xfrm>
             <a:off x="502920" y="1440000"/>
-            <a:ext cx="9018720" cy="3494520"/>
+            <a:ext cx="9018360" cy="3494160"/>
           </a:xfrm>
           <a:prstGeom prst="rect">
             <a:avLst/>
@@ -28607,7 +28613,7 @@
         <p:spPr>
           <a:xfrm>
             <a:off x="360000" y="1080000"/>
-            <a:ext cx="8817840" cy="2391840"/>
+            <a:ext cx="8817480" cy="2391480"/>
           </a:xfrm>
           <a:prstGeom prst="rect">
             <a:avLst/>
@@ -28978,7 +28984,7 @@
         <p:spPr>
           <a:xfrm>
             <a:off x="540000" y="90000"/>
-            <a:ext cx="8996760" cy="986760"/>
+            <a:ext cx="8996400" cy="986400"/>
           </a:xfrm>
           <a:prstGeom prst="rect">
             <a:avLst/>
@@ -29029,7 +29035,7 @@
         <p:spPr>
           <a:xfrm>
             <a:off x="540000" y="1440000"/>
-            <a:ext cx="8996760" cy="3506760"/>
+            <a:ext cx="8996400" cy="3506400"/>
           </a:xfrm>
           <a:prstGeom prst="rect">
             <a:avLst/>
@@ -29266,7 +29272,7 @@
         <p:spPr>
           <a:xfrm>
             <a:off x="502920" y="630720"/>
-            <a:ext cx="9068400" cy="4385520"/>
+            <a:ext cx="9068040" cy="4385160"/>
           </a:xfrm>
           <a:prstGeom prst="rect">
             <a:avLst/>
@@ -29330,7 +29336,7 @@
         <p:spPr>
           <a:xfrm>
             <a:off x="502920" y="90720"/>
-            <a:ext cx="9068400" cy="943560"/>
+            <a:ext cx="9068040" cy="943200"/>
           </a:xfrm>
           <a:prstGeom prst="rect">
             <a:avLst/>
@@ -29381,7 +29387,7 @@
         <p:spPr>
           <a:xfrm>
             <a:off x="502920" y="1440000"/>
-            <a:ext cx="9018720" cy="3494520"/>
+            <a:ext cx="9018360" cy="3494160"/>
           </a:xfrm>
           <a:prstGeom prst="rect">
             <a:avLst/>
@@ -29480,7 +29486,7 @@
             </a:endParaRPr>
           </a:p>
           <a:p>
-            <a:pPr marL="432000" indent="-320760">
+            <a:pPr marL="432000" indent="-320400">
               <a:lnSpc>
                 <a:spcPct val="100000"/>
               </a:lnSpc>
@@ -29603,7 +29609,7 @@
         <p:spPr>
           <a:xfrm>
             <a:off x="1734840" y="1260000"/>
-            <a:ext cx="6722280" cy="2007720"/>
+            <a:ext cx="6721920" cy="2007360"/>
           </a:xfrm>
           <a:prstGeom prst="rect">
             <a:avLst/>
@@ -29660,7 +29666,7 @@
         <p:spPr>
           <a:xfrm>
             <a:off x="502920" y="90720"/>
-            <a:ext cx="9068400" cy="943560"/>
+            <a:ext cx="9068040" cy="943200"/>
           </a:xfrm>
           <a:prstGeom prst="rect">
             <a:avLst/>
@@ -29711,7 +29717,7 @@
         <p:spPr>
           <a:xfrm>
             <a:off x="502920" y="1440000"/>
-            <a:ext cx="9018720" cy="3494520"/>
+            <a:ext cx="9018360" cy="3494160"/>
           </a:xfrm>
           <a:prstGeom prst="rect">
             <a:avLst/>
@@ -29737,7 +29743,7 @@
         <p:spPr>
           <a:xfrm>
             <a:off x="360000" y="1080000"/>
-            <a:ext cx="8817840" cy="4183560"/>
+            <a:ext cx="8817480" cy="4183200"/>
           </a:xfrm>
           <a:prstGeom prst="rect">
             <a:avLst/>
@@ -30024,17 +30030,26 @@
               </a:lnSpc>
             </a:pPr>
             <a:r>
-              <a:rPr b="0" lang="es-MX" sz="1400" spc="-1" strike="noStrike" u="sng">
-                <a:solidFill>
-                  <a:srgbClr val="0000ff"/>
-                </a:solidFill>
-                <a:uFillTx/>
+              <a:rPr b="0" lang="es-MX" sz="1400" spc="-1" strike="noStrike">
+                <a:solidFill>
+                  <a:srgbClr val="000000"/>
+                </a:solidFill>
                 <a:latin typeface="Arial"/>
                 <a:ea typeface="DejaVu Sans"/>
                 <a:hlinkClick r:id="rId2"/>
               </a:rPr>
-              <a:t>https://github.com/programacionestructurada/2021-2/202112/U4_MdAyE/02_MemoriaDinamica</a:t>
-            </a:r>
+              <a:t>https://github.com/programacionestructurada/2021-2/tree/main/202112/U4_MdAyE/02_MemoriaDinamica</a:t>
+            </a:r>
+            <a:endParaRPr b="0" lang="es-MX" sz="1400" spc="-1" strike="noStrike">
+              <a:latin typeface="Arial"/>
+            </a:endParaRPr>
+          </a:p>
+          <a:p>
+            <a:pPr>
+              <a:lnSpc>
+                <a:spcPct val="100000"/>
+              </a:lnSpc>
+            </a:pPr>
             <a:endParaRPr b="0" lang="es-MX" sz="1400" spc="-1" strike="noStrike">
               <a:latin typeface="Arial"/>
             </a:endParaRPr>
@@ -30108,7 +30123,7 @@
         <p:spPr>
           <a:xfrm>
             <a:off x="502920" y="90720"/>
-            <a:ext cx="9068400" cy="943560"/>
+            <a:ext cx="9068040" cy="943200"/>
           </a:xfrm>
           <a:prstGeom prst="rect">
             <a:avLst/>
@@ -30189,7 +30204,7 @@
         <p:spPr>
           <a:xfrm>
             <a:off x="502920" y="1440000"/>
-            <a:ext cx="9018720" cy="3494520"/>
+            <a:ext cx="9018360" cy="3494160"/>
           </a:xfrm>
           <a:prstGeom prst="rect">
             <a:avLst/>
@@ -30215,7 +30230,7 @@
         <p:spPr>
           <a:xfrm>
             <a:off x="360000" y="1080000"/>
-            <a:ext cx="8817840" cy="4439520"/>
+            <a:ext cx="8817480" cy="4439160"/>
           </a:xfrm>
           <a:prstGeom prst="rect">
             <a:avLst/>
@@ -30504,7 +30519,7 @@
         <p:spPr>
           <a:xfrm>
             <a:off x="502920" y="90720"/>
-            <a:ext cx="9068400" cy="943560"/>
+            <a:ext cx="9068040" cy="943200"/>
           </a:xfrm>
           <a:prstGeom prst="rect">
             <a:avLst/>
@@ -30585,7 +30600,7 @@
         <p:spPr>
           <a:xfrm>
             <a:off x="502920" y="1440000"/>
-            <a:ext cx="9018720" cy="3494520"/>
+            <a:ext cx="9018360" cy="3494160"/>
           </a:xfrm>
           <a:prstGeom prst="rect">
             <a:avLst/>
@@ -30611,7 +30626,7 @@
         <p:spPr>
           <a:xfrm>
             <a:off x="360000" y="1080000"/>
-            <a:ext cx="8817840" cy="2391840"/>
+            <a:ext cx="8817480" cy="2391480"/>
           </a:xfrm>
           <a:prstGeom prst="rect">
             <a:avLst/>
@@ -30910,7 +30925,7 @@
         <p:spPr>
           <a:xfrm>
             <a:off x="502920" y="90720"/>
-            <a:ext cx="9068400" cy="943560"/>
+            <a:ext cx="9068040" cy="943200"/>
           </a:xfrm>
           <a:prstGeom prst="rect">
             <a:avLst/>
@@ -30991,7 +31006,7 @@
         <p:spPr>
           <a:xfrm>
             <a:off x="502920" y="1440000"/>
-            <a:ext cx="9018720" cy="3494520"/>
+            <a:ext cx="9018360" cy="3494160"/>
           </a:xfrm>
           <a:prstGeom prst="rect">
             <a:avLst/>
@@ -31017,7 +31032,7 @@
         <p:spPr>
           <a:xfrm>
             <a:off x="360000" y="1080000"/>
-            <a:ext cx="8817840" cy="2391840"/>
+            <a:ext cx="8817480" cy="2391480"/>
           </a:xfrm>
           <a:prstGeom prst="rect">
             <a:avLst/>
@@ -31326,7 +31341,7 @@
         <p:spPr>
           <a:xfrm>
             <a:off x="502920" y="90720"/>
-            <a:ext cx="9068400" cy="943560"/>
+            <a:ext cx="9068040" cy="943200"/>
           </a:xfrm>
           <a:prstGeom prst="rect">
             <a:avLst/>
@@ -31407,7 +31422,7 @@
         <p:spPr>
           <a:xfrm>
             <a:off x="502920" y="1440000"/>
-            <a:ext cx="9018720" cy="3494520"/>
+            <a:ext cx="9018360" cy="3494160"/>
           </a:xfrm>
           <a:prstGeom prst="rect">
             <a:avLst/>
@@ -31433,7 +31448,7 @@
         <p:spPr>
           <a:xfrm>
             <a:off x="360000" y="1080000"/>
-            <a:ext cx="8817840" cy="2391840"/>
+            <a:ext cx="8817480" cy="2391480"/>
           </a:xfrm>
           <a:prstGeom prst="rect">
             <a:avLst/>
